--- a/slides/07_logic.pptx
+++ b/slides/07_logic.pptx
@@ -12027,7 +12027,7 @@
             <a:fld id="{441436E8-D6C9-439C-8057-F594059D4145}" type="datetimeFigureOut">
               <a:rPr lang="en-US" smtClean="0"/>
               <a:pPr/>
-              <a:t>4/8/2021</a:t>
+              <a:t>9/1/2021</a:t>
             </a:fld>
             <a:endParaRPr lang="en-US"/>
           </a:p>
@@ -18256,8 +18256,8 @@
         </p:nvSpPr>
         <p:spPr>
           <a:xfrm>
-            <a:off x="286326" y="932688"/>
-            <a:ext cx="2578608" cy="1411224"/>
+            <a:off x="286326" y="914400"/>
+            <a:ext cx="2578608" cy="1828800"/>
           </a:xfrm>
         </p:spPr>
         <p:txBody>
@@ -18336,6 +18336,33 @@
               </a:rPr>
               <a:t>Logical Agents</a:t>
             </a:r>
+            <a:br>
+              <a:rPr lang="en-US" sz="2000" b="1" dirty="0">
+                <a:effectLst>
+                  <a:outerShdw blurRad="38100" dist="38100" dir="2700000" algn="tl">
+                    <a:srgbClr val="000000">
+                      <a:alpha val="43137"/>
+                    </a:srgbClr>
+                  </a:outerShdw>
+                </a:effectLst>
+              </a:rPr>
+            </a:br>
+            <a:r>
+              <a:rPr lang="en-US" sz="2000" dirty="0"/>
+              <a:t>AIMA Chapter 7</a:t>
+            </a:r>
+            <a:br>
+              <a:rPr lang="en-US" sz="2000" dirty="0"/>
+            </a:br>
+            <a:endParaRPr lang="en-US" sz="2000" b="1" dirty="0">
+              <a:effectLst>
+                <a:outerShdw blurRad="38100" dist="38100" dir="2700000" algn="tl">
+                  <a:srgbClr val="000000">
+                    <a:alpha val="43137"/>
+                  </a:srgbClr>
+                </a:outerShdw>
+              </a:effectLst>
+            </a:endParaRPr>
           </a:p>
         </p:txBody>
       </p:sp>
@@ -18700,61 +18727,27 @@
             </a:pPr>
             <a:r>
               <a:rPr lang="en-US" sz="1500" dirty="0"/>
-              <a:t>AIMA Chapter 7</a:t>
-            </a:r>
-          </a:p>
-          <a:p>
-            <a:pPr marL="0" indent="0" defTabSz="914400">
-              <a:spcBef>
-                <a:spcPts val="1000"/>
-              </a:spcBef>
-              <a:buNone/>
-            </a:pPr>
-            <a:endParaRPr lang="en-US" sz="1500" dirty="0"/>
-          </a:p>
-          <a:p>
-            <a:pPr marL="0" indent="0" defTabSz="914400">
-              <a:spcBef>
-                <a:spcPts val="1000"/>
-              </a:spcBef>
-              <a:buNone/>
-            </a:pPr>
-            <a:endParaRPr lang="en-US" sz="1500" dirty="0"/>
-          </a:p>
-          <a:p>
-            <a:pPr marL="0" indent="0" defTabSz="914400">
-              <a:spcBef>
-                <a:spcPts val="1000"/>
-              </a:spcBef>
-              <a:buNone/>
-            </a:pPr>
-            <a:r>
-              <a:rPr lang="en-US" sz="1500" dirty="0"/>
-              <a:t>Slides by Michael </a:t>
-            </a:r>
-            <a:r>
-              <a:rPr lang="en-US" sz="1500" dirty="0" err="1"/>
-              <a:t>Hahsler</a:t>
-            </a:r>
-            <a:r>
-              <a:rPr lang="en-US" sz="1500" dirty="0"/>
-              <a:t> </a:t>
+              <a:t>Slides by Michael Hahsler </a:t>
             </a:r>
             <a:br>
               <a:rPr lang="en-US" sz="1500" dirty="0"/>
             </a:br>
             <a:r>
-              <a:rPr lang="en-US" sz="1500" dirty="0"/>
+              <a:rPr lang="en-US" sz="1200" dirty="0"/>
               <a:t>based on slides by Svetlana </a:t>
             </a:r>
             <a:r>
-              <a:rPr lang="en-US" sz="1500" dirty="0" err="1"/>
+              <a:rPr lang="en-US" sz="1200" dirty="0" err="1"/>
               <a:t>Lazepnik</a:t>
             </a:r>
-            <a:r>
-              <a:rPr lang="en-US" sz="1500" dirty="0"/>
-              <a:t>	</a:t>
-            </a:r>
+            <a:br>
+              <a:rPr lang="en-US" sz="1200" dirty="0"/>
+            </a:br>
+            <a:r>
+              <a:rPr lang="en-US" sz="1200" dirty="0"/>
+              <a:t>with figures from the AIMA textbook	</a:t>
+            </a:r>
+            <a:endParaRPr lang="en-US" sz="1500" dirty="0"/>
           </a:p>
         </p:txBody>
       </p:sp>
@@ -25365,7 +25358,7 @@
           <p:nvPr/>
         </p:nvPicPr>
         <p:blipFill>
-          <a:blip r:embed="rId2"/>
+          <a:blip r:embed="rId3"/>
           <a:stretch>
             <a:fillRect/>
           </a:stretch>

--- a/slides/07_logic.pptx
+++ b/slides/07_logic.pptx
@@ -12027,7 +12027,7 @@
             <a:fld id="{441436E8-D6C9-439C-8057-F594059D4145}" type="datetimeFigureOut">
               <a:rPr lang="en-US" smtClean="0"/>
               <a:pPr/>
-              <a:t>9/1/2021</a:t>
+              <a:t>11/14/2022</a:t>
             </a:fld>
             <a:endParaRPr lang="en-US"/>
           </a:p>
@@ -23334,6 +23334,146 @@
           </a:graphicData>
         </a:graphic>
       </p:graphicFrame>
+      <p:sp>
+        <p:nvSpPr>
+          <p:cNvPr id="3" name="Star: 5 Points 2">
+            <a:extLst>
+              <a:ext uri="{FF2B5EF4-FFF2-40B4-BE49-F238E27FC236}">
+                <a16:creationId xmlns:a16="http://schemas.microsoft.com/office/drawing/2014/main" id="{61486480-2688-6752-26BF-4583675F699D}"/>
+              </a:ext>
+            </a:extLst>
+          </p:cNvPr>
+          <p:cNvSpPr/>
+          <p:nvPr/>
+        </p:nvSpPr>
+        <p:spPr>
+          <a:xfrm>
+            <a:off x="8763000" y="129075"/>
+            <a:ext cx="247650" cy="244474"/>
+          </a:xfrm>
+          <a:prstGeom prst="star5">
+            <a:avLst/>
+          </a:prstGeom>
+        </p:spPr>
+        <p:style>
+          <a:lnRef idx="2">
+            <a:schemeClr val="accent2">
+              <a:shade val="50000"/>
+            </a:schemeClr>
+          </a:lnRef>
+          <a:fillRef idx="1">
+            <a:schemeClr val="accent2"/>
+          </a:fillRef>
+          <a:effectRef idx="0">
+            <a:schemeClr val="accent2"/>
+          </a:effectRef>
+          <a:fontRef idx="minor">
+            <a:schemeClr val="lt1"/>
+          </a:fontRef>
+        </p:style>
+        <p:txBody>
+          <a:bodyPr rtlCol="0" anchor="ctr"/>
+          <a:lstStyle>
+            <a:defPPr>
+              <a:defRPr lang="en-US"/>
+            </a:defPPr>
+            <a:lvl1pPr marL="0" algn="l" defTabSz="914400" rtl="0" eaLnBrk="1" latinLnBrk="0" hangingPunct="1">
+              <a:defRPr sz="1800" kern="1200">
+                <a:solidFill>
+                  <a:schemeClr val="lt1"/>
+                </a:solidFill>
+                <a:latin typeface="+mn-lt"/>
+                <a:ea typeface="+mn-ea"/>
+                <a:cs typeface="+mn-cs"/>
+              </a:defRPr>
+            </a:lvl1pPr>
+            <a:lvl2pPr marL="457200" algn="l" defTabSz="914400" rtl="0" eaLnBrk="1" latinLnBrk="0" hangingPunct="1">
+              <a:defRPr sz="1800" kern="1200">
+                <a:solidFill>
+                  <a:schemeClr val="lt1"/>
+                </a:solidFill>
+                <a:latin typeface="+mn-lt"/>
+                <a:ea typeface="+mn-ea"/>
+                <a:cs typeface="+mn-cs"/>
+              </a:defRPr>
+            </a:lvl2pPr>
+            <a:lvl3pPr marL="914400" algn="l" defTabSz="914400" rtl="0" eaLnBrk="1" latinLnBrk="0" hangingPunct="1">
+              <a:defRPr sz="1800" kern="1200">
+                <a:solidFill>
+                  <a:schemeClr val="lt1"/>
+                </a:solidFill>
+                <a:latin typeface="+mn-lt"/>
+                <a:ea typeface="+mn-ea"/>
+                <a:cs typeface="+mn-cs"/>
+              </a:defRPr>
+            </a:lvl3pPr>
+            <a:lvl4pPr marL="1371600" algn="l" defTabSz="914400" rtl="0" eaLnBrk="1" latinLnBrk="0" hangingPunct="1">
+              <a:defRPr sz="1800" kern="1200">
+                <a:solidFill>
+                  <a:schemeClr val="lt1"/>
+                </a:solidFill>
+                <a:latin typeface="+mn-lt"/>
+                <a:ea typeface="+mn-ea"/>
+                <a:cs typeface="+mn-cs"/>
+              </a:defRPr>
+            </a:lvl4pPr>
+            <a:lvl5pPr marL="1828800" algn="l" defTabSz="914400" rtl="0" eaLnBrk="1" latinLnBrk="0" hangingPunct="1">
+              <a:defRPr sz="1800" kern="1200">
+                <a:solidFill>
+                  <a:schemeClr val="lt1"/>
+                </a:solidFill>
+                <a:latin typeface="+mn-lt"/>
+                <a:ea typeface="+mn-ea"/>
+                <a:cs typeface="+mn-cs"/>
+              </a:defRPr>
+            </a:lvl5pPr>
+            <a:lvl6pPr marL="2286000" algn="l" defTabSz="914400" rtl="0" eaLnBrk="1" latinLnBrk="0" hangingPunct="1">
+              <a:defRPr sz="1800" kern="1200">
+                <a:solidFill>
+                  <a:schemeClr val="lt1"/>
+                </a:solidFill>
+                <a:latin typeface="+mn-lt"/>
+                <a:ea typeface="+mn-ea"/>
+                <a:cs typeface="+mn-cs"/>
+              </a:defRPr>
+            </a:lvl6pPr>
+            <a:lvl7pPr marL="2743200" algn="l" defTabSz="914400" rtl="0" eaLnBrk="1" latinLnBrk="0" hangingPunct="1">
+              <a:defRPr sz="1800" kern="1200">
+                <a:solidFill>
+                  <a:schemeClr val="lt1"/>
+                </a:solidFill>
+                <a:latin typeface="+mn-lt"/>
+                <a:ea typeface="+mn-ea"/>
+                <a:cs typeface="+mn-cs"/>
+              </a:defRPr>
+            </a:lvl7pPr>
+            <a:lvl8pPr marL="3200400" algn="l" defTabSz="914400" rtl="0" eaLnBrk="1" latinLnBrk="0" hangingPunct="1">
+              <a:defRPr sz="1800" kern="1200">
+                <a:solidFill>
+                  <a:schemeClr val="lt1"/>
+                </a:solidFill>
+                <a:latin typeface="+mn-lt"/>
+                <a:ea typeface="+mn-ea"/>
+                <a:cs typeface="+mn-cs"/>
+              </a:defRPr>
+            </a:lvl8pPr>
+            <a:lvl9pPr marL="3657600" algn="l" defTabSz="914400" rtl="0" eaLnBrk="1" latinLnBrk="0" hangingPunct="1">
+              <a:defRPr sz="1800" kern="1200">
+                <a:solidFill>
+                  <a:schemeClr val="lt1"/>
+                </a:solidFill>
+                <a:latin typeface="+mn-lt"/>
+                <a:ea typeface="+mn-ea"/>
+                <a:cs typeface="+mn-cs"/>
+              </a:defRPr>
+            </a:lvl9pPr>
+          </a:lstStyle>
+          <a:p>
+            <a:pPr algn="ctr"/>
+            <a:endParaRPr lang="en-US"/>
+          </a:p>
+        </p:txBody>
+      </p:sp>
     </p:spTree>
   </p:cSld>
   <p:clrMapOvr>
@@ -27812,6 +27952,146 @@
           </a:p>
         </p:txBody>
       </p:sp>
+      <p:sp>
+        <p:nvSpPr>
+          <p:cNvPr id="8" name="Star: 5 Points 7">
+            <a:extLst>
+              <a:ext uri="{FF2B5EF4-FFF2-40B4-BE49-F238E27FC236}">
+                <a16:creationId xmlns:a16="http://schemas.microsoft.com/office/drawing/2014/main" id="{416B05F0-3D1B-F079-35C0-D0529B18C107}"/>
+              </a:ext>
+            </a:extLst>
+          </p:cNvPr>
+          <p:cNvSpPr/>
+          <p:nvPr/>
+        </p:nvSpPr>
+        <p:spPr>
+          <a:xfrm>
+            <a:off x="8763000" y="129075"/>
+            <a:ext cx="247650" cy="244474"/>
+          </a:xfrm>
+          <a:prstGeom prst="star5">
+            <a:avLst/>
+          </a:prstGeom>
+        </p:spPr>
+        <p:style>
+          <a:lnRef idx="2">
+            <a:schemeClr val="accent2">
+              <a:shade val="50000"/>
+            </a:schemeClr>
+          </a:lnRef>
+          <a:fillRef idx="1">
+            <a:schemeClr val="accent2"/>
+          </a:fillRef>
+          <a:effectRef idx="0">
+            <a:schemeClr val="accent2"/>
+          </a:effectRef>
+          <a:fontRef idx="minor">
+            <a:schemeClr val="lt1"/>
+          </a:fontRef>
+        </p:style>
+        <p:txBody>
+          <a:bodyPr rtlCol="0" anchor="ctr"/>
+          <a:lstStyle>
+            <a:defPPr>
+              <a:defRPr lang="en-US"/>
+            </a:defPPr>
+            <a:lvl1pPr marL="0" algn="l" defTabSz="914400" rtl="0" eaLnBrk="1" latinLnBrk="0" hangingPunct="1">
+              <a:defRPr sz="1800" kern="1200">
+                <a:solidFill>
+                  <a:schemeClr val="lt1"/>
+                </a:solidFill>
+                <a:latin typeface="+mn-lt"/>
+                <a:ea typeface="+mn-ea"/>
+                <a:cs typeface="+mn-cs"/>
+              </a:defRPr>
+            </a:lvl1pPr>
+            <a:lvl2pPr marL="457200" algn="l" defTabSz="914400" rtl="0" eaLnBrk="1" latinLnBrk="0" hangingPunct="1">
+              <a:defRPr sz="1800" kern="1200">
+                <a:solidFill>
+                  <a:schemeClr val="lt1"/>
+                </a:solidFill>
+                <a:latin typeface="+mn-lt"/>
+                <a:ea typeface="+mn-ea"/>
+                <a:cs typeface="+mn-cs"/>
+              </a:defRPr>
+            </a:lvl2pPr>
+            <a:lvl3pPr marL="914400" algn="l" defTabSz="914400" rtl="0" eaLnBrk="1" latinLnBrk="0" hangingPunct="1">
+              <a:defRPr sz="1800" kern="1200">
+                <a:solidFill>
+                  <a:schemeClr val="lt1"/>
+                </a:solidFill>
+                <a:latin typeface="+mn-lt"/>
+                <a:ea typeface="+mn-ea"/>
+                <a:cs typeface="+mn-cs"/>
+              </a:defRPr>
+            </a:lvl3pPr>
+            <a:lvl4pPr marL="1371600" algn="l" defTabSz="914400" rtl="0" eaLnBrk="1" latinLnBrk="0" hangingPunct="1">
+              <a:defRPr sz="1800" kern="1200">
+                <a:solidFill>
+                  <a:schemeClr val="lt1"/>
+                </a:solidFill>
+                <a:latin typeface="+mn-lt"/>
+                <a:ea typeface="+mn-ea"/>
+                <a:cs typeface="+mn-cs"/>
+              </a:defRPr>
+            </a:lvl4pPr>
+            <a:lvl5pPr marL="1828800" algn="l" defTabSz="914400" rtl="0" eaLnBrk="1" latinLnBrk="0" hangingPunct="1">
+              <a:defRPr sz="1800" kern="1200">
+                <a:solidFill>
+                  <a:schemeClr val="lt1"/>
+                </a:solidFill>
+                <a:latin typeface="+mn-lt"/>
+                <a:ea typeface="+mn-ea"/>
+                <a:cs typeface="+mn-cs"/>
+              </a:defRPr>
+            </a:lvl5pPr>
+            <a:lvl6pPr marL="2286000" algn="l" defTabSz="914400" rtl="0" eaLnBrk="1" latinLnBrk="0" hangingPunct="1">
+              <a:defRPr sz="1800" kern="1200">
+                <a:solidFill>
+                  <a:schemeClr val="lt1"/>
+                </a:solidFill>
+                <a:latin typeface="+mn-lt"/>
+                <a:ea typeface="+mn-ea"/>
+                <a:cs typeface="+mn-cs"/>
+              </a:defRPr>
+            </a:lvl6pPr>
+            <a:lvl7pPr marL="2743200" algn="l" defTabSz="914400" rtl="0" eaLnBrk="1" latinLnBrk="0" hangingPunct="1">
+              <a:defRPr sz="1800" kern="1200">
+                <a:solidFill>
+                  <a:schemeClr val="lt1"/>
+                </a:solidFill>
+                <a:latin typeface="+mn-lt"/>
+                <a:ea typeface="+mn-ea"/>
+                <a:cs typeface="+mn-cs"/>
+              </a:defRPr>
+            </a:lvl7pPr>
+            <a:lvl8pPr marL="3200400" algn="l" defTabSz="914400" rtl="0" eaLnBrk="1" latinLnBrk="0" hangingPunct="1">
+              <a:defRPr sz="1800" kern="1200">
+                <a:solidFill>
+                  <a:schemeClr val="lt1"/>
+                </a:solidFill>
+                <a:latin typeface="+mn-lt"/>
+                <a:ea typeface="+mn-ea"/>
+                <a:cs typeface="+mn-cs"/>
+              </a:defRPr>
+            </a:lvl8pPr>
+            <a:lvl9pPr marL="3657600" algn="l" defTabSz="914400" rtl="0" eaLnBrk="1" latinLnBrk="0" hangingPunct="1">
+              <a:defRPr sz="1800" kern="1200">
+                <a:solidFill>
+                  <a:schemeClr val="lt1"/>
+                </a:solidFill>
+                <a:latin typeface="+mn-lt"/>
+                <a:ea typeface="+mn-ea"/>
+                <a:cs typeface="+mn-cs"/>
+              </a:defRPr>
+            </a:lvl9pPr>
+          </a:lstStyle>
+          <a:p>
+            <a:pPr algn="ctr"/>
+            <a:endParaRPr lang="en-US"/>
+          </a:p>
+        </p:txBody>
+      </p:sp>
     </p:spTree>
     <p:extLst>
       <p:ext uri="{BB962C8B-B14F-4D97-AF65-F5344CB8AC3E}">
@@ -31166,7 +31446,13 @@
             </a:br>
             <a:r>
               <a:rPr lang="en-US" dirty="0"/>
-              <a:t>	e.g., the environment if only partially observable</a:t>
+              <a:t>	e.g., the environment if only partially observable?</a:t>
+            </a:r>
+          </a:p>
+          <a:p>
+            <a:r>
+              <a:rPr lang="en-US" dirty="0"/>
+              <a:t>What about randomness?</a:t>
             </a:r>
           </a:p>
           <a:p>
@@ -31214,7 +31500,7 @@
         </p:blipFill>
         <p:spPr>
           <a:xfrm>
-            <a:off x="381000" y="3352800"/>
+            <a:off x="376187" y="4000068"/>
             <a:ext cx="8382000" cy="2290976"/>
           </a:xfrm>
           <a:prstGeom prst="rect">
@@ -31236,7 +31522,7 @@
         </p:nvSpPr>
         <p:spPr>
           <a:xfrm>
-            <a:off x="5334000" y="4876800"/>
+            <a:off x="5329187" y="5524068"/>
             <a:ext cx="2209800" cy="381000"/>
           </a:xfrm>
           <a:prstGeom prst="rect">
@@ -31293,7 +31579,7 @@
         </p:nvSpPr>
         <p:spPr>
           <a:xfrm>
-            <a:off x="209550" y="4876800"/>
+            <a:off x="204737" y="5524068"/>
             <a:ext cx="400050" cy="381000"/>
           </a:xfrm>
           <a:prstGeom prst="rightArrow">
@@ -31319,6 +31605,146 @@
         <p:txBody>
           <a:bodyPr rtlCol="0" anchor="ctr"/>
           <a:lstStyle/>
+          <a:p>
+            <a:pPr algn="ctr"/>
+            <a:endParaRPr lang="en-US"/>
+          </a:p>
+        </p:txBody>
+      </p:sp>
+      <p:sp>
+        <p:nvSpPr>
+          <p:cNvPr id="3" name="Star: 5 Points 2">
+            <a:extLst>
+              <a:ext uri="{FF2B5EF4-FFF2-40B4-BE49-F238E27FC236}">
+                <a16:creationId xmlns:a16="http://schemas.microsoft.com/office/drawing/2014/main" id="{2B3F72AE-59AD-E9B6-C07F-F3DFA7B65CFE}"/>
+              </a:ext>
+            </a:extLst>
+          </p:cNvPr>
+          <p:cNvSpPr/>
+          <p:nvPr/>
+        </p:nvSpPr>
+        <p:spPr>
+          <a:xfrm>
+            <a:off x="8763000" y="129075"/>
+            <a:ext cx="247650" cy="244474"/>
+          </a:xfrm>
+          <a:prstGeom prst="star5">
+            <a:avLst/>
+          </a:prstGeom>
+        </p:spPr>
+        <p:style>
+          <a:lnRef idx="2">
+            <a:schemeClr val="accent2">
+              <a:shade val="50000"/>
+            </a:schemeClr>
+          </a:lnRef>
+          <a:fillRef idx="1">
+            <a:schemeClr val="accent2"/>
+          </a:fillRef>
+          <a:effectRef idx="0">
+            <a:schemeClr val="accent2"/>
+          </a:effectRef>
+          <a:fontRef idx="minor">
+            <a:schemeClr val="lt1"/>
+          </a:fontRef>
+        </p:style>
+        <p:txBody>
+          <a:bodyPr rtlCol="0" anchor="ctr"/>
+          <a:lstStyle>
+            <a:defPPr>
+              <a:defRPr lang="en-US"/>
+            </a:defPPr>
+            <a:lvl1pPr marL="0" algn="l" defTabSz="914400" rtl="0" eaLnBrk="1" latinLnBrk="0" hangingPunct="1">
+              <a:defRPr sz="1800" kern="1200">
+                <a:solidFill>
+                  <a:schemeClr val="lt1"/>
+                </a:solidFill>
+                <a:latin typeface="+mn-lt"/>
+                <a:ea typeface="+mn-ea"/>
+                <a:cs typeface="+mn-cs"/>
+              </a:defRPr>
+            </a:lvl1pPr>
+            <a:lvl2pPr marL="457200" algn="l" defTabSz="914400" rtl="0" eaLnBrk="1" latinLnBrk="0" hangingPunct="1">
+              <a:defRPr sz="1800" kern="1200">
+                <a:solidFill>
+                  <a:schemeClr val="lt1"/>
+                </a:solidFill>
+                <a:latin typeface="+mn-lt"/>
+                <a:ea typeface="+mn-ea"/>
+                <a:cs typeface="+mn-cs"/>
+              </a:defRPr>
+            </a:lvl2pPr>
+            <a:lvl3pPr marL="914400" algn="l" defTabSz="914400" rtl="0" eaLnBrk="1" latinLnBrk="0" hangingPunct="1">
+              <a:defRPr sz="1800" kern="1200">
+                <a:solidFill>
+                  <a:schemeClr val="lt1"/>
+                </a:solidFill>
+                <a:latin typeface="+mn-lt"/>
+                <a:ea typeface="+mn-ea"/>
+                <a:cs typeface="+mn-cs"/>
+              </a:defRPr>
+            </a:lvl3pPr>
+            <a:lvl4pPr marL="1371600" algn="l" defTabSz="914400" rtl="0" eaLnBrk="1" latinLnBrk="0" hangingPunct="1">
+              <a:defRPr sz="1800" kern="1200">
+                <a:solidFill>
+                  <a:schemeClr val="lt1"/>
+                </a:solidFill>
+                <a:latin typeface="+mn-lt"/>
+                <a:ea typeface="+mn-ea"/>
+                <a:cs typeface="+mn-cs"/>
+              </a:defRPr>
+            </a:lvl4pPr>
+            <a:lvl5pPr marL="1828800" algn="l" defTabSz="914400" rtl="0" eaLnBrk="1" latinLnBrk="0" hangingPunct="1">
+              <a:defRPr sz="1800" kern="1200">
+                <a:solidFill>
+                  <a:schemeClr val="lt1"/>
+                </a:solidFill>
+                <a:latin typeface="+mn-lt"/>
+                <a:ea typeface="+mn-ea"/>
+                <a:cs typeface="+mn-cs"/>
+              </a:defRPr>
+            </a:lvl5pPr>
+            <a:lvl6pPr marL="2286000" algn="l" defTabSz="914400" rtl="0" eaLnBrk="1" latinLnBrk="0" hangingPunct="1">
+              <a:defRPr sz="1800" kern="1200">
+                <a:solidFill>
+                  <a:schemeClr val="lt1"/>
+                </a:solidFill>
+                <a:latin typeface="+mn-lt"/>
+                <a:ea typeface="+mn-ea"/>
+                <a:cs typeface="+mn-cs"/>
+              </a:defRPr>
+            </a:lvl6pPr>
+            <a:lvl7pPr marL="2743200" algn="l" defTabSz="914400" rtl="0" eaLnBrk="1" latinLnBrk="0" hangingPunct="1">
+              <a:defRPr sz="1800" kern="1200">
+                <a:solidFill>
+                  <a:schemeClr val="lt1"/>
+                </a:solidFill>
+                <a:latin typeface="+mn-lt"/>
+                <a:ea typeface="+mn-ea"/>
+                <a:cs typeface="+mn-cs"/>
+              </a:defRPr>
+            </a:lvl7pPr>
+            <a:lvl8pPr marL="3200400" algn="l" defTabSz="914400" rtl="0" eaLnBrk="1" latinLnBrk="0" hangingPunct="1">
+              <a:defRPr sz="1800" kern="1200">
+                <a:solidFill>
+                  <a:schemeClr val="lt1"/>
+                </a:solidFill>
+                <a:latin typeface="+mn-lt"/>
+                <a:ea typeface="+mn-ea"/>
+                <a:cs typeface="+mn-cs"/>
+              </a:defRPr>
+            </a:lvl8pPr>
+            <a:lvl9pPr marL="3657600" algn="l" defTabSz="914400" rtl="0" eaLnBrk="1" latinLnBrk="0" hangingPunct="1">
+              <a:defRPr sz="1800" kern="1200">
+                <a:solidFill>
+                  <a:schemeClr val="lt1"/>
+                </a:solidFill>
+                <a:latin typeface="+mn-lt"/>
+                <a:ea typeface="+mn-ea"/>
+                <a:cs typeface="+mn-cs"/>
+              </a:defRPr>
+            </a:lvl9pPr>
+          </a:lstStyle>
           <a:p>
             <a:pPr algn="ctr"/>
             <a:endParaRPr lang="en-US"/>
@@ -31708,6 +32134,146 @@
               </a:solidFill>
               <a:latin typeface="Arial" charset="0"/>
             </a:endParaRPr>
+          </a:p>
+        </p:txBody>
+      </p:sp>
+      <p:sp>
+        <p:nvSpPr>
+          <p:cNvPr id="3" name="Star: 5 Points 2">
+            <a:extLst>
+              <a:ext uri="{FF2B5EF4-FFF2-40B4-BE49-F238E27FC236}">
+                <a16:creationId xmlns:a16="http://schemas.microsoft.com/office/drawing/2014/main" id="{6554FFF8-D25E-37CB-2E8A-48C2D58D504E}"/>
+              </a:ext>
+            </a:extLst>
+          </p:cNvPr>
+          <p:cNvSpPr/>
+          <p:nvPr/>
+        </p:nvSpPr>
+        <p:spPr>
+          <a:xfrm>
+            <a:off x="8763000" y="129075"/>
+            <a:ext cx="247650" cy="244474"/>
+          </a:xfrm>
+          <a:prstGeom prst="star5">
+            <a:avLst/>
+          </a:prstGeom>
+        </p:spPr>
+        <p:style>
+          <a:lnRef idx="2">
+            <a:schemeClr val="accent2">
+              <a:shade val="50000"/>
+            </a:schemeClr>
+          </a:lnRef>
+          <a:fillRef idx="1">
+            <a:schemeClr val="accent2"/>
+          </a:fillRef>
+          <a:effectRef idx="0">
+            <a:schemeClr val="accent2"/>
+          </a:effectRef>
+          <a:fontRef idx="minor">
+            <a:schemeClr val="lt1"/>
+          </a:fontRef>
+        </p:style>
+        <p:txBody>
+          <a:bodyPr rtlCol="0" anchor="ctr"/>
+          <a:lstStyle>
+            <a:defPPr>
+              <a:defRPr lang="en-US"/>
+            </a:defPPr>
+            <a:lvl1pPr marL="0" algn="l" defTabSz="914400" rtl="0" eaLnBrk="1" latinLnBrk="0" hangingPunct="1">
+              <a:defRPr sz="1800" kern="1200">
+                <a:solidFill>
+                  <a:schemeClr val="lt1"/>
+                </a:solidFill>
+                <a:latin typeface="+mn-lt"/>
+                <a:ea typeface="+mn-ea"/>
+                <a:cs typeface="+mn-cs"/>
+              </a:defRPr>
+            </a:lvl1pPr>
+            <a:lvl2pPr marL="457200" algn="l" defTabSz="914400" rtl="0" eaLnBrk="1" latinLnBrk="0" hangingPunct="1">
+              <a:defRPr sz="1800" kern="1200">
+                <a:solidFill>
+                  <a:schemeClr val="lt1"/>
+                </a:solidFill>
+                <a:latin typeface="+mn-lt"/>
+                <a:ea typeface="+mn-ea"/>
+                <a:cs typeface="+mn-cs"/>
+              </a:defRPr>
+            </a:lvl2pPr>
+            <a:lvl3pPr marL="914400" algn="l" defTabSz="914400" rtl="0" eaLnBrk="1" latinLnBrk="0" hangingPunct="1">
+              <a:defRPr sz="1800" kern="1200">
+                <a:solidFill>
+                  <a:schemeClr val="lt1"/>
+                </a:solidFill>
+                <a:latin typeface="+mn-lt"/>
+                <a:ea typeface="+mn-ea"/>
+                <a:cs typeface="+mn-cs"/>
+              </a:defRPr>
+            </a:lvl3pPr>
+            <a:lvl4pPr marL="1371600" algn="l" defTabSz="914400" rtl="0" eaLnBrk="1" latinLnBrk="0" hangingPunct="1">
+              <a:defRPr sz="1800" kern="1200">
+                <a:solidFill>
+                  <a:schemeClr val="lt1"/>
+                </a:solidFill>
+                <a:latin typeface="+mn-lt"/>
+                <a:ea typeface="+mn-ea"/>
+                <a:cs typeface="+mn-cs"/>
+              </a:defRPr>
+            </a:lvl4pPr>
+            <a:lvl5pPr marL="1828800" algn="l" defTabSz="914400" rtl="0" eaLnBrk="1" latinLnBrk="0" hangingPunct="1">
+              <a:defRPr sz="1800" kern="1200">
+                <a:solidFill>
+                  <a:schemeClr val="lt1"/>
+                </a:solidFill>
+                <a:latin typeface="+mn-lt"/>
+                <a:ea typeface="+mn-ea"/>
+                <a:cs typeface="+mn-cs"/>
+              </a:defRPr>
+            </a:lvl5pPr>
+            <a:lvl6pPr marL="2286000" algn="l" defTabSz="914400" rtl="0" eaLnBrk="1" latinLnBrk="0" hangingPunct="1">
+              <a:defRPr sz="1800" kern="1200">
+                <a:solidFill>
+                  <a:schemeClr val="lt1"/>
+                </a:solidFill>
+                <a:latin typeface="+mn-lt"/>
+                <a:ea typeface="+mn-ea"/>
+                <a:cs typeface="+mn-cs"/>
+              </a:defRPr>
+            </a:lvl6pPr>
+            <a:lvl7pPr marL="2743200" algn="l" defTabSz="914400" rtl="0" eaLnBrk="1" latinLnBrk="0" hangingPunct="1">
+              <a:defRPr sz="1800" kern="1200">
+                <a:solidFill>
+                  <a:schemeClr val="lt1"/>
+                </a:solidFill>
+                <a:latin typeface="+mn-lt"/>
+                <a:ea typeface="+mn-ea"/>
+                <a:cs typeface="+mn-cs"/>
+              </a:defRPr>
+            </a:lvl7pPr>
+            <a:lvl8pPr marL="3200400" algn="l" defTabSz="914400" rtl="0" eaLnBrk="1" latinLnBrk="0" hangingPunct="1">
+              <a:defRPr sz="1800" kern="1200">
+                <a:solidFill>
+                  <a:schemeClr val="lt1"/>
+                </a:solidFill>
+                <a:latin typeface="+mn-lt"/>
+                <a:ea typeface="+mn-ea"/>
+                <a:cs typeface="+mn-cs"/>
+              </a:defRPr>
+            </a:lvl8pPr>
+            <a:lvl9pPr marL="3657600" algn="l" defTabSz="914400" rtl="0" eaLnBrk="1" latinLnBrk="0" hangingPunct="1">
+              <a:defRPr sz="1800" kern="1200">
+                <a:solidFill>
+                  <a:schemeClr val="lt1"/>
+                </a:solidFill>
+                <a:latin typeface="+mn-lt"/>
+                <a:ea typeface="+mn-ea"/>
+                <a:cs typeface="+mn-cs"/>
+              </a:defRPr>
+            </a:lvl9pPr>
+          </a:lstStyle>
+          <a:p>
+            <a:pPr algn="ctr"/>
+            <a:endParaRPr lang="en-US"/>
           </a:p>
         </p:txBody>
       </p:sp>
@@ -32086,6 +32652,146 @@
           </a:fontRef>
         </p:style>
       </p:cxnSp>
+      <p:sp>
+        <p:nvSpPr>
+          <p:cNvPr id="3" name="Star: 5 Points 2">
+            <a:extLst>
+              <a:ext uri="{FF2B5EF4-FFF2-40B4-BE49-F238E27FC236}">
+                <a16:creationId xmlns:a16="http://schemas.microsoft.com/office/drawing/2014/main" id="{03978BB4-89D0-6898-DDD2-42EB6B5BAC3E}"/>
+              </a:ext>
+            </a:extLst>
+          </p:cNvPr>
+          <p:cNvSpPr/>
+          <p:nvPr/>
+        </p:nvSpPr>
+        <p:spPr>
+          <a:xfrm>
+            <a:off x="8763000" y="129075"/>
+            <a:ext cx="247650" cy="244474"/>
+          </a:xfrm>
+          <a:prstGeom prst="star5">
+            <a:avLst/>
+          </a:prstGeom>
+        </p:spPr>
+        <p:style>
+          <a:lnRef idx="2">
+            <a:schemeClr val="accent2">
+              <a:shade val="50000"/>
+            </a:schemeClr>
+          </a:lnRef>
+          <a:fillRef idx="1">
+            <a:schemeClr val="accent2"/>
+          </a:fillRef>
+          <a:effectRef idx="0">
+            <a:schemeClr val="accent2"/>
+          </a:effectRef>
+          <a:fontRef idx="minor">
+            <a:schemeClr val="lt1"/>
+          </a:fontRef>
+        </p:style>
+        <p:txBody>
+          <a:bodyPr rtlCol="0" anchor="ctr"/>
+          <a:lstStyle>
+            <a:defPPr>
+              <a:defRPr lang="en-US"/>
+            </a:defPPr>
+            <a:lvl1pPr marL="0" algn="l" defTabSz="914400" rtl="0" eaLnBrk="1" latinLnBrk="0" hangingPunct="1">
+              <a:defRPr sz="1800" kern="1200">
+                <a:solidFill>
+                  <a:schemeClr val="lt1"/>
+                </a:solidFill>
+                <a:latin typeface="+mn-lt"/>
+                <a:ea typeface="+mn-ea"/>
+                <a:cs typeface="+mn-cs"/>
+              </a:defRPr>
+            </a:lvl1pPr>
+            <a:lvl2pPr marL="457200" algn="l" defTabSz="914400" rtl="0" eaLnBrk="1" latinLnBrk="0" hangingPunct="1">
+              <a:defRPr sz="1800" kern="1200">
+                <a:solidFill>
+                  <a:schemeClr val="lt1"/>
+                </a:solidFill>
+                <a:latin typeface="+mn-lt"/>
+                <a:ea typeface="+mn-ea"/>
+                <a:cs typeface="+mn-cs"/>
+              </a:defRPr>
+            </a:lvl2pPr>
+            <a:lvl3pPr marL="914400" algn="l" defTabSz="914400" rtl="0" eaLnBrk="1" latinLnBrk="0" hangingPunct="1">
+              <a:defRPr sz="1800" kern="1200">
+                <a:solidFill>
+                  <a:schemeClr val="lt1"/>
+                </a:solidFill>
+                <a:latin typeface="+mn-lt"/>
+                <a:ea typeface="+mn-ea"/>
+                <a:cs typeface="+mn-cs"/>
+              </a:defRPr>
+            </a:lvl3pPr>
+            <a:lvl4pPr marL="1371600" algn="l" defTabSz="914400" rtl="0" eaLnBrk="1" latinLnBrk="0" hangingPunct="1">
+              <a:defRPr sz="1800" kern="1200">
+                <a:solidFill>
+                  <a:schemeClr val="lt1"/>
+                </a:solidFill>
+                <a:latin typeface="+mn-lt"/>
+                <a:ea typeface="+mn-ea"/>
+                <a:cs typeface="+mn-cs"/>
+              </a:defRPr>
+            </a:lvl4pPr>
+            <a:lvl5pPr marL="1828800" algn="l" defTabSz="914400" rtl="0" eaLnBrk="1" latinLnBrk="0" hangingPunct="1">
+              <a:defRPr sz="1800" kern="1200">
+                <a:solidFill>
+                  <a:schemeClr val="lt1"/>
+                </a:solidFill>
+                <a:latin typeface="+mn-lt"/>
+                <a:ea typeface="+mn-ea"/>
+                <a:cs typeface="+mn-cs"/>
+              </a:defRPr>
+            </a:lvl5pPr>
+            <a:lvl6pPr marL="2286000" algn="l" defTabSz="914400" rtl="0" eaLnBrk="1" latinLnBrk="0" hangingPunct="1">
+              <a:defRPr sz="1800" kern="1200">
+                <a:solidFill>
+                  <a:schemeClr val="lt1"/>
+                </a:solidFill>
+                <a:latin typeface="+mn-lt"/>
+                <a:ea typeface="+mn-ea"/>
+                <a:cs typeface="+mn-cs"/>
+              </a:defRPr>
+            </a:lvl6pPr>
+            <a:lvl7pPr marL="2743200" algn="l" defTabSz="914400" rtl="0" eaLnBrk="1" latinLnBrk="0" hangingPunct="1">
+              <a:defRPr sz="1800" kern="1200">
+                <a:solidFill>
+                  <a:schemeClr val="lt1"/>
+                </a:solidFill>
+                <a:latin typeface="+mn-lt"/>
+                <a:ea typeface="+mn-ea"/>
+                <a:cs typeface="+mn-cs"/>
+              </a:defRPr>
+            </a:lvl7pPr>
+            <a:lvl8pPr marL="3200400" algn="l" defTabSz="914400" rtl="0" eaLnBrk="1" latinLnBrk="0" hangingPunct="1">
+              <a:defRPr sz="1800" kern="1200">
+                <a:solidFill>
+                  <a:schemeClr val="lt1"/>
+                </a:solidFill>
+                <a:latin typeface="+mn-lt"/>
+                <a:ea typeface="+mn-ea"/>
+                <a:cs typeface="+mn-cs"/>
+              </a:defRPr>
+            </a:lvl8pPr>
+            <a:lvl9pPr marL="3657600" algn="l" defTabSz="914400" rtl="0" eaLnBrk="1" latinLnBrk="0" hangingPunct="1">
+              <a:defRPr sz="1800" kern="1200">
+                <a:solidFill>
+                  <a:schemeClr val="lt1"/>
+                </a:solidFill>
+                <a:latin typeface="+mn-lt"/>
+                <a:ea typeface="+mn-ea"/>
+                <a:cs typeface="+mn-cs"/>
+              </a:defRPr>
+            </a:lvl9pPr>
+          </a:lstStyle>
+          <a:p>
+            <a:pPr algn="ctr"/>
+            <a:endParaRPr lang="en-US"/>
+          </a:p>
+        </p:txBody>
+      </p:sp>
     </p:spTree>
     <p:extLst>
       <p:ext uri="{BB962C8B-B14F-4D97-AF65-F5344CB8AC3E}">

--- a/slides/07_logic.pptx
+++ b/slides/07_logic.pptx
@@ -5,7 +5,7 @@
     <p:sldMasterId id="2147483672" r:id="rId1"/>
   </p:sldMasterIdLst>
   <p:notesMasterIdLst>
-    <p:notesMasterId r:id="rId38"/>
+    <p:notesMasterId r:id="rId41"/>
   </p:notesMasterIdLst>
   <p:sldIdLst>
     <p:sldId id="372" r:id="rId2"/>
@@ -44,6 +44,9 @@
     <p:sldId id="326" r:id="rId35"/>
     <p:sldId id="378" r:id="rId36"/>
     <p:sldId id="381" r:id="rId37"/>
+    <p:sldId id="384" r:id="rId38"/>
+    <p:sldId id="385" r:id="rId39"/>
+    <p:sldId id="386" r:id="rId40"/>
   </p:sldIdLst>
   <p:sldSz cx="9144000" cy="6858000" type="screen4x3"/>
   <p:notesSz cx="7315200" cy="9601200"/>
@@ -3345,12 +3348,12 @@
         <a:lstStyle/>
         <a:p>
           <a:r>
-            <a:rPr lang="en-US" b="1"/>
+            <a:rPr lang="en-US" b="1" dirty="0"/>
             <a:t>Logic</a:t>
           </a:r>
           <a:r>
-            <a:rPr lang="en-US"/>
-            <a:t> is a formal system for manipulating facts so that true conclusions may be drawn</a:t>
+            <a:rPr lang="en-US" dirty="0"/>
+            <a:t> is a formal system for representing and manipulating facts (i.e., knowledge) so that true conclusions may be drawn</a:t>
           </a:r>
         </a:p>
       </dgm:t>
@@ -5171,12 +5174,12 @@
             <a:buNone/>
           </a:pPr>
           <a:r>
-            <a:rPr lang="en-US" sz="1800" b="1" kern="1200"/>
+            <a:rPr lang="en-US" sz="1800" b="1" kern="1200" dirty="0"/>
             <a:t>Logic</a:t>
           </a:r>
           <a:r>
-            <a:rPr lang="en-US" sz="1800" kern="1200"/>
-            <a:t> is a formal system for manipulating facts so that true conclusions may be drawn</a:t>
+            <a:rPr lang="en-US" sz="1800" kern="1200" dirty="0"/>
+            <a:t> is a formal system for representing and manipulating facts (i.e., knowledge) so that true conclusions may be drawn</a:t>
           </a:r>
         </a:p>
       </dsp:txBody>
@@ -12027,7 +12030,7 @@
             <a:fld id="{441436E8-D6C9-439C-8057-F594059D4145}" type="datetimeFigureOut">
               <a:rPr lang="en-US" smtClean="0"/>
               <a:pPr/>
-              <a:t>11/14/2022</a:t>
+              <a:t>11/8/2023</a:t>
             </a:fld>
             <a:endParaRPr lang="en-US"/>
           </a:p>
@@ -14361,6 +14364,93 @@
     <p:extLst>
       <p:ext uri="{BB962C8B-B14F-4D97-AF65-F5344CB8AC3E}">
         <p14:creationId xmlns:p14="http://schemas.microsoft.com/office/powerpoint/2010/main" val="2984043860"/>
+      </p:ext>
+    </p:extLst>
+  </p:cSld>
+  <p:clrMapOvr>
+    <a:masterClrMapping/>
+  </p:clrMapOvr>
+</p:notes>
+</file>
+
+<file path=ppt/notesSlides/notesSlide31.xml><?xml version="1.0" encoding="utf-8"?>
+<p:notes xmlns:a="http://schemas.openxmlformats.org/drawingml/2006/main" xmlns:r="http://schemas.openxmlformats.org/officeDocument/2006/relationships" xmlns:p="http://schemas.openxmlformats.org/presentationml/2006/main">
+  <p:cSld>
+    <p:spTree>
+      <p:nvGrpSpPr>
+        <p:cNvPr id="1" name=""/>
+        <p:cNvGrpSpPr/>
+        <p:nvPr/>
+      </p:nvGrpSpPr>
+      <p:grpSpPr>
+        <a:xfrm>
+          <a:off x="0" y="0"/>
+          <a:ext cx="0" cy="0"/>
+          <a:chOff x="0" y="0"/>
+          <a:chExt cx="0" cy="0"/>
+        </a:xfrm>
+      </p:grpSpPr>
+      <p:sp>
+        <p:nvSpPr>
+          <p:cNvPr id="2" name="Slide Image Placeholder 1"/>
+          <p:cNvSpPr>
+            <a:spLocks noGrp="1" noRot="1" noChangeAspect="1"/>
+          </p:cNvSpPr>
+          <p:nvPr>
+            <p:ph type="sldImg"/>
+          </p:nvPr>
+        </p:nvSpPr>
+        <p:spPr/>
+      </p:sp>
+      <p:sp>
+        <p:nvSpPr>
+          <p:cNvPr id="3" name="Notes Placeholder 2"/>
+          <p:cNvSpPr>
+            <a:spLocks noGrp="1"/>
+          </p:cNvSpPr>
+          <p:nvPr>
+            <p:ph type="body" idx="1"/>
+          </p:nvPr>
+        </p:nvSpPr>
+        <p:spPr/>
+        <p:txBody>
+          <a:bodyPr>
+            <a:normAutofit/>
+          </a:bodyPr>
+          <a:lstStyle/>
+          <a:p>
+            <a:endParaRPr lang="en-US"/>
+          </a:p>
+        </p:txBody>
+      </p:sp>
+      <p:sp>
+        <p:nvSpPr>
+          <p:cNvPr id="4" name="Slide Number Placeholder 3"/>
+          <p:cNvSpPr>
+            <a:spLocks noGrp="1"/>
+          </p:cNvSpPr>
+          <p:nvPr>
+            <p:ph type="sldNum" sz="quarter" idx="10"/>
+          </p:nvPr>
+        </p:nvSpPr>
+        <p:spPr/>
+        <p:txBody>
+          <a:bodyPr/>
+          <a:lstStyle/>
+          <a:p>
+            <a:fld id="{CFBD67E5-DBC4-4CEE-B749-873FCECA15D7}" type="slidenum">
+              <a:rPr lang="en-US" smtClean="0"/>
+              <a:pPr/>
+              <a:t>38</a:t>
+            </a:fld>
+            <a:endParaRPr lang="en-US"/>
+          </a:p>
+        </p:txBody>
+      </p:sp>
+    </p:spTree>
+    <p:extLst>
+      <p:ext uri="{BB962C8B-B14F-4D97-AF65-F5344CB8AC3E}">
+        <p14:creationId xmlns:p14="http://schemas.microsoft.com/office/powerpoint/2010/main" val="1135372847"/>
       </p:ext>
     </p:extLst>
   </p:cSld>
@@ -18262,7 +18352,7 @@
         </p:spPr>
         <p:txBody>
           <a:bodyPr vert="horz" lIns="91440" tIns="45720" rIns="91440" bIns="45720" rtlCol="0" anchor="b">
-            <a:normAutofit/>
+            <a:normAutofit fontScale="90000"/>
           </a:bodyPr>
           <a:lstStyle/>
           <a:p>
@@ -18334,7 +18424,7 @@
                   </a:outerShdw>
                 </a:effectLst>
               </a:rPr>
-              <a:t>Logical Agents</a:t>
+              <a:t>Knowledge-Based Agents</a:t>
             </a:r>
             <a:br>
               <a:rPr lang="en-US" sz="2000" b="1" dirty="0">
@@ -18349,7 +18439,7 @@
             </a:br>
             <a:r>
               <a:rPr lang="en-US" sz="2000" dirty="0"/>
-              <a:t>AIMA Chapter 7</a:t>
+              <a:t>AIMA Chapters 7-9</a:t>
             </a:r>
             <a:br>
               <a:rPr lang="en-US" sz="2000" dirty="0"/>
@@ -23298,7 +23388,7 @@
           <a:p>
             <a:r>
               <a:rPr lang="en-US" dirty="0"/>
-              <a:t>What is logic?</a:t>
+              <a:t>What is Logic?</a:t>
             </a:r>
           </a:p>
         </p:txBody>
@@ -23319,7 +23409,7 @@
             <p:ph idx="1"/>
             <p:extLst>
               <p:ext uri="{D42A27DB-BD31-4B8C-83A1-F6EECF244321}">
-                <p14:modId xmlns:p14="http://schemas.microsoft.com/office/powerpoint/2010/main" val="3112572254"/>
+                <p14:modId xmlns:p14="http://schemas.microsoft.com/office/powerpoint/2010/main" val="3668452742"/>
               </p:ext>
             </p:extLst>
           </p:nvPr>
@@ -27603,7 +27693,7 @@
           <a:p>
             <a:r>
               <a:rPr lang="en-US" sz="3200" dirty="0"/>
-              <a:t>Relation between Knowledge Representation and the World</a:t>
+              <a:t>Reality vs. Knowledge Representation</a:t>
             </a:r>
           </a:p>
         </p:txBody>
@@ -31500,7 +31590,7 @@
         </p:blipFill>
         <p:spPr>
           <a:xfrm>
-            <a:off x="376187" y="4000068"/>
+            <a:off x="376187" y="3733800"/>
             <a:ext cx="8382000" cy="2290976"/>
           </a:xfrm>
           <a:prstGeom prst="rect">
@@ -31522,7 +31612,7 @@
         </p:nvSpPr>
         <p:spPr>
           <a:xfrm>
-            <a:off x="5329187" y="5524068"/>
+            <a:off x="5329187" y="5257800"/>
             <a:ext cx="2209800" cy="381000"/>
           </a:xfrm>
           <a:prstGeom prst="rect">
@@ -31579,7 +31669,7 @@
         </p:nvSpPr>
         <p:spPr>
           <a:xfrm>
-            <a:off x="204737" y="5524068"/>
+            <a:off x="204737" y="5257800"/>
             <a:ext cx="400050" cy="381000"/>
           </a:xfrm>
           <a:prstGeom prst="rightArrow">
@@ -31751,10 +31841,2411 @@
           </a:p>
         </p:txBody>
       </p:sp>
+      <p:sp>
+        <p:nvSpPr>
+          <p:cNvPr id="4" name="TextBox 3">
+            <a:extLst>
+              <a:ext uri="{FF2B5EF4-FFF2-40B4-BE49-F238E27FC236}">
+                <a16:creationId xmlns:a16="http://schemas.microsoft.com/office/drawing/2014/main" id="{5DE2AC92-E7E3-15C4-BA13-F8599BE2D15B}"/>
+              </a:ext>
+            </a:extLst>
+          </p:cNvPr>
+          <p:cNvSpPr txBox="1"/>
+          <p:nvPr/>
+        </p:nvSpPr>
+        <p:spPr>
+          <a:xfrm>
+            <a:off x="628650" y="5948378"/>
+            <a:ext cx="7981950" cy="338554"/>
+          </a:xfrm>
+          <a:prstGeom prst="rect">
+            <a:avLst/>
+          </a:prstGeom>
+          <a:noFill/>
+        </p:spPr>
+        <p:txBody>
+          <a:bodyPr wrap="square" rtlCol="0">
+            <a:spAutoFit/>
+          </a:bodyPr>
+          <a:lstStyle/>
+          <a:p>
+            <a:r>
+              <a:rPr lang="en-US" sz="1600" dirty="0"/>
+              <a:t>Natural Language         facts, objects, relations, …                 ???</a:t>
+            </a:r>
+          </a:p>
+        </p:txBody>
+      </p:sp>
+      <p:sp>
+        <p:nvSpPr>
+          <p:cNvPr id="9" name="TextBox 8">
+            <a:extLst>
+              <a:ext uri="{FF2B5EF4-FFF2-40B4-BE49-F238E27FC236}">
+                <a16:creationId xmlns:a16="http://schemas.microsoft.com/office/drawing/2014/main" id="{9C3E0823-D5FD-E2AB-047D-956EB1518EBE}"/>
+              </a:ext>
+            </a:extLst>
+          </p:cNvPr>
+          <p:cNvSpPr txBox="1"/>
+          <p:nvPr/>
+        </p:nvSpPr>
+        <p:spPr>
+          <a:xfrm>
+            <a:off x="385813" y="5829732"/>
+            <a:ext cx="299987" cy="523220"/>
+          </a:xfrm>
+          <a:prstGeom prst="rect">
+            <a:avLst/>
+          </a:prstGeom>
+          <a:noFill/>
+        </p:spPr>
+        <p:txBody>
+          <a:bodyPr wrap="square" rtlCol="0">
+            <a:spAutoFit/>
+          </a:bodyPr>
+          <a:lstStyle/>
+          <a:p>
+            <a:r>
+              <a:rPr lang="en-US" sz="2800" b="1" dirty="0">
+                <a:solidFill>
+                  <a:srgbClr val="FF0000"/>
+                </a:solidFill>
+              </a:rPr>
+              <a:t>+</a:t>
+            </a:r>
+          </a:p>
+        </p:txBody>
+      </p:sp>
     </p:spTree>
     <p:extLst>
       <p:ext uri="{BB962C8B-B14F-4D97-AF65-F5344CB8AC3E}">
         <p14:creationId xmlns:p14="http://schemas.microsoft.com/office/powerpoint/2010/main" val="918962251"/>
+      </p:ext>
+    </p:extLst>
+  </p:cSld>
+  <p:clrMapOvr>
+    <a:masterClrMapping/>
+  </p:clrMapOvr>
+</p:sld>
+</file>
+
+<file path=ppt/slides/slide37.xml><?xml version="1.0" encoding="utf-8"?>
+<p:sld xmlns:a="http://schemas.openxmlformats.org/drawingml/2006/main" xmlns:r="http://schemas.openxmlformats.org/officeDocument/2006/relationships" xmlns:p="http://schemas.openxmlformats.org/presentationml/2006/main">
+  <p:cSld>
+    <p:spTree>
+      <p:nvGrpSpPr>
+        <p:cNvPr id="1" name=""/>
+        <p:cNvGrpSpPr/>
+        <p:nvPr/>
+      </p:nvGrpSpPr>
+      <p:grpSpPr>
+        <a:xfrm>
+          <a:off x="0" y="0"/>
+          <a:ext cx="0" cy="0"/>
+          <a:chOff x="0" y="0"/>
+          <a:chExt cx="0" cy="0"/>
+        </a:xfrm>
+      </p:grpSpPr>
+      <p:sp>
+        <p:nvSpPr>
+          <p:cNvPr id="2" name="Title 1">
+            <a:extLst>
+              <a:ext uri="{FF2B5EF4-FFF2-40B4-BE49-F238E27FC236}">
+                <a16:creationId xmlns:a16="http://schemas.microsoft.com/office/drawing/2014/main" id="{5A59C578-9625-44B8-AF64-9CEF4228327D}"/>
+              </a:ext>
+            </a:extLst>
+          </p:cNvPr>
+          <p:cNvSpPr>
+            <a:spLocks noGrp="1"/>
+          </p:cNvSpPr>
+          <p:nvPr>
+            <p:ph type="title"/>
+          </p:nvPr>
+        </p:nvSpPr>
+        <p:spPr/>
+        <p:txBody>
+          <a:bodyPr>
+            <a:normAutofit/>
+          </a:bodyPr>
+          <a:lstStyle/>
+          <a:p>
+            <a:r>
+              <a:rPr lang="en-US" sz="3200" dirty="0"/>
+              <a:t>Reality vs. Knowledge Representation</a:t>
+            </a:r>
+          </a:p>
+        </p:txBody>
+      </p:sp>
+      <p:sp>
+        <p:nvSpPr>
+          <p:cNvPr id="3" name="Content Placeholder 2">
+            <a:extLst>
+              <a:ext uri="{FF2B5EF4-FFF2-40B4-BE49-F238E27FC236}">
+                <a16:creationId xmlns:a16="http://schemas.microsoft.com/office/drawing/2014/main" id="{3F765D05-68B7-4A70-8C8D-AFBC2F08BBEC}"/>
+              </a:ext>
+            </a:extLst>
+          </p:cNvPr>
+          <p:cNvSpPr>
+            <a:spLocks noGrp="1"/>
+          </p:cNvSpPr>
+          <p:nvPr>
+            <p:ph idx="1"/>
+          </p:nvPr>
+        </p:nvSpPr>
+        <p:spPr>
+          <a:xfrm>
+            <a:off x="628650" y="4918846"/>
+            <a:ext cx="7886700" cy="1612921"/>
+          </a:xfrm>
+        </p:spPr>
+        <p:txBody>
+          <a:bodyPr>
+            <a:normAutofit/>
+          </a:bodyPr>
+          <a:lstStyle/>
+          <a:p>
+            <a:r>
+              <a:rPr lang="en-US" dirty="0"/>
+              <a:t>The user formulates a question about the real world as a prompt (sequence)</a:t>
+            </a:r>
+          </a:p>
+          <a:p>
+            <a:r>
+              <a:rPr lang="en-US" dirty="0"/>
+              <a:t>The LLM generates text using its knowledge.</a:t>
+            </a:r>
+          </a:p>
+          <a:p>
+            <a:r>
+              <a:rPr lang="en-US" dirty="0"/>
+              <a:t>The text (hopefully) is useful in the real world</a:t>
+            </a:r>
+          </a:p>
+        </p:txBody>
+      </p:sp>
+      <p:pic>
+        <p:nvPicPr>
+          <p:cNvPr id="4" name="Picture 3">
+            <a:extLst>
+              <a:ext uri="{FF2B5EF4-FFF2-40B4-BE49-F238E27FC236}">
+                <a16:creationId xmlns:a16="http://schemas.microsoft.com/office/drawing/2014/main" id="{9BF91B6D-86A1-4EC3-86B7-31180718A531}"/>
+              </a:ext>
+            </a:extLst>
+          </p:cNvPr>
+          <p:cNvPicPr>
+            <a:picLocks noChangeAspect="1"/>
+          </p:cNvPicPr>
+          <p:nvPr/>
+        </p:nvPicPr>
+        <p:blipFill>
+          <a:blip r:embed="rId2"/>
+          <a:stretch>
+            <a:fillRect/>
+          </a:stretch>
+        </p:blipFill>
+        <p:spPr>
+          <a:xfrm>
+            <a:off x="304800" y="2020164"/>
+            <a:ext cx="8458200" cy="2792908"/>
+          </a:xfrm>
+          <a:prstGeom prst="rect">
+            <a:avLst/>
+          </a:prstGeom>
+        </p:spPr>
+      </p:pic>
+      <p:sp>
+        <p:nvSpPr>
+          <p:cNvPr id="5" name="TextBox 4">
+            <a:extLst>
+              <a:ext uri="{FF2B5EF4-FFF2-40B4-BE49-F238E27FC236}">
+                <a16:creationId xmlns:a16="http://schemas.microsoft.com/office/drawing/2014/main" id="{85EFA40A-0546-40AF-BD76-C6771F1F278D}"/>
+              </a:ext>
+            </a:extLst>
+          </p:cNvPr>
+          <p:cNvSpPr txBox="1"/>
+          <p:nvPr/>
+        </p:nvSpPr>
+        <p:spPr>
+          <a:xfrm>
+            <a:off x="721549" y="2292627"/>
+            <a:ext cx="1221809" cy="369332"/>
+          </a:xfrm>
+          <a:prstGeom prst="rect">
+            <a:avLst/>
+          </a:prstGeom>
+        </p:spPr>
+        <p:style>
+          <a:lnRef idx="2">
+            <a:schemeClr val="accent6">
+              <a:shade val="50000"/>
+            </a:schemeClr>
+          </a:lnRef>
+          <a:fillRef idx="1">
+            <a:schemeClr val="accent6"/>
+          </a:fillRef>
+          <a:effectRef idx="0">
+            <a:schemeClr val="accent6"/>
+          </a:effectRef>
+          <a:fontRef idx="minor">
+            <a:schemeClr val="lt1"/>
+          </a:fontRef>
+        </p:style>
+        <p:txBody>
+          <a:bodyPr wrap="none" rtlCol="0">
+            <a:spAutoFit/>
+          </a:bodyPr>
+          <a:lstStyle/>
+          <a:p>
+            <a:r>
+              <a:rPr lang="en-US" dirty="0"/>
+              <a:t>Knowledge</a:t>
+            </a:r>
+          </a:p>
+        </p:txBody>
+      </p:sp>
+      <p:cxnSp>
+        <p:nvCxnSpPr>
+          <p:cNvPr id="7" name="Straight Arrow Connector 6">
+            <a:extLst>
+              <a:ext uri="{FF2B5EF4-FFF2-40B4-BE49-F238E27FC236}">
+                <a16:creationId xmlns:a16="http://schemas.microsoft.com/office/drawing/2014/main" id="{87C76E13-1940-4A02-9752-8E2F6CD8EAEB}"/>
+              </a:ext>
+            </a:extLst>
+          </p:cNvPr>
+          <p:cNvCxnSpPr>
+            <a:cxnSpLocks/>
+          </p:cNvCxnSpPr>
+          <p:nvPr/>
+        </p:nvCxnSpPr>
+        <p:spPr>
+          <a:xfrm flipV="1">
+            <a:off x="3500792" y="2562548"/>
+            <a:ext cx="0" cy="366111"/>
+          </a:xfrm>
+          <a:prstGeom prst="straightConnector1">
+            <a:avLst/>
+          </a:prstGeom>
+          <a:ln>
+            <a:tailEnd type="triangle"/>
+          </a:ln>
+        </p:spPr>
+        <p:style>
+          <a:lnRef idx="3">
+            <a:schemeClr val="accent2"/>
+          </a:lnRef>
+          <a:fillRef idx="0">
+            <a:schemeClr val="accent2"/>
+          </a:fillRef>
+          <a:effectRef idx="2">
+            <a:schemeClr val="accent2"/>
+          </a:effectRef>
+          <a:fontRef idx="minor">
+            <a:schemeClr val="tx1"/>
+          </a:fontRef>
+        </p:style>
+      </p:cxnSp>
+      <p:sp>
+        <p:nvSpPr>
+          <p:cNvPr id="11" name="Rectangle 10">
+            <a:extLst>
+              <a:ext uri="{FF2B5EF4-FFF2-40B4-BE49-F238E27FC236}">
+                <a16:creationId xmlns:a16="http://schemas.microsoft.com/office/drawing/2014/main" id="{B4488CF6-F378-479E-9C82-65A3CDA2C7E6}"/>
+              </a:ext>
+            </a:extLst>
+          </p:cNvPr>
+          <p:cNvSpPr/>
+          <p:nvPr/>
+        </p:nvSpPr>
+        <p:spPr>
+          <a:xfrm>
+            <a:off x="2286000" y="2193640"/>
+            <a:ext cx="1600199" cy="352993"/>
+          </a:xfrm>
+          <a:prstGeom prst="rect">
+            <a:avLst/>
+          </a:prstGeom>
+          <a:noFill/>
+        </p:spPr>
+        <p:style>
+          <a:lnRef idx="2">
+            <a:schemeClr val="accent1">
+              <a:shade val="50000"/>
+            </a:schemeClr>
+          </a:lnRef>
+          <a:fillRef idx="1">
+            <a:schemeClr val="accent1"/>
+          </a:fillRef>
+          <a:effectRef idx="0">
+            <a:schemeClr val="accent1"/>
+          </a:effectRef>
+          <a:fontRef idx="minor">
+            <a:schemeClr val="lt1"/>
+          </a:fontRef>
+        </p:style>
+        <p:txBody>
+          <a:bodyPr rtlCol="0" anchor="ctr"/>
+          <a:lstStyle/>
+          <a:p>
+            <a:pPr algn="ctr"/>
+            <a:endParaRPr lang="en-US"/>
+          </a:p>
+        </p:txBody>
+      </p:sp>
+      <p:sp>
+        <p:nvSpPr>
+          <p:cNvPr id="8" name="Star: 5 Points 7">
+            <a:extLst>
+              <a:ext uri="{FF2B5EF4-FFF2-40B4-BE49-F238E27FC236}">
+                <a16:creationId xmlns:a16="http://schemas.microsoft.com/office/drawing/2014/main" id="{416B05F0-3D1B-F079-35C0-D0529B18C107}"/>
+              </a:ext>
+            </a:extLst>
+          </p:cNvPr>
+          <p:cNvSpPr/>
+          <p:nvPr/>
+        </p:nvSpPr>
+        <p:spPr>
+          <a:xfrm>
+            <a:off x="8763000" y="129075"/>
+            <a:ext cx="247650" cy="244474"/>
+          </a:xfrm>
+          <a:prstGeom prst="star5">
+            <a:avLst/>
+          </a:prstGeom>
+        </p:spPr>
+        <p:style>
+          <a:lnRef idx="2">
+            <a:schemeClr val="accent2">
+              <a:shade val="50000"/>
+            </a:schemeClr>
+          </a:lnRef>
+          <a:fillRef idx="1">
+            <a:schemeClr val="accent2"/>
+          </a:fillRef>
+          <a:effectRef idx="0">
+            <a:schemeClr val="accent2"/>
+          </a:effectRef>
+          <a:fontRef idx="minor">
+            <a:schemeClr val="lt1"/>
+          </a:fontRef>
+        </p:style>
+        <p:txBody>
+          <a:bodyPr rtlCol="0" anchor="ctr"/>
+          <a:lstStyle>
+            <a:defPPr>
+              <a:defRPr lang="en-US"/>
+            </a:defPPr>
+            <a:lvl1pPr marL="0" algn="l" defTabSz="914400" rtl="0" eaLnBrk="1" latinLnBrk="0" hangingPunct="1">
+              <a:defRPr sz="1800" kern="1200">
+                <a:solidFill>
+                  <a:schemeClr val="lt1"/>
+                </a:solidFill>
+                <a:latin typeface="+mn-lt"/>
+                <a:ea typeface="+mn-ea"/>
+                <a:cs typeface="+mn-cs"/>
+              </a:defRPr>
+            </a:lvl1pPr>
+            <a:lvl2pPr marL="457200" algn="l" defTabSz="914400" rtl="0" eaLnBrk="1" latinLnBrk="0" hangingPunct="1">
+              <a:defRPr sz="1800" kern="1200">
+                <a:solidFill>
+                  <a:schemeClr val="lt1"/>
+                </a:solidFill>
+                <a:latin typeface="+mn-lt"/>
+                <a:ea typeface="+mn-ea"/>
+                <a:cs typeface="+mn-cs"/>
+              </a:defRPr>
+            </a:lvl2pPr>
+            <a:lvl3pPr marL="914400" algn="l" defTabSz="914400" rtl="0" eaLnBrk="1" latinLnBrk="0" hangingPunct="1">
+              <a:defRPr sz="1800" kern="1200">
+                <a:solidFill>
+                  <a:schemeClr val="lt1"/>
+                </a:solidFill>
+                <a:latin typeface="+mn-lt"/>
+                <a:ea typeface="+mn-ea"/>
+                <a:cs typeface="+mn-cs"/>
+              </a:defRPr>
+            </a:lvl3pPr>
+            <a:lvl4pPr marL="1371600" algn="l" defTabSz="914400" rtl="0" eaLnBrk="1" latinLnBrk="0" hangingPunct="1">
+              <a:defRPr sz="1800" kern="1200">
+                <a:solidFill>
+                  <a:schemeClr val="lt1"/>
+                </a:solidFill>
+                <a:latin typeface="+mn-lt"/>
+                <a:ea typeface="+mn-ea"/>
+                <a:cs typeface="+mn-cs"/>
+              </a:defRPr>
+            </a:lvl4pPr>
+            <a:lvl5pPr marL="1828800" algn="l" defTabSz="914400" rtl="0" eaLnBrk="1" latinLnBrk="0" hangingPunct="1">
+              <a:defRPr sz="1800" kern="1200">
+                <a:solidFill>
+                  <a:schemeClr val="lt1"/>
+                </a:solidFill>
+                <a:latin typeface="+mn-lt"/>
+                <a:ea typeface="+mn-ea"/>
+                <a:cs typeface="+mn-cs"/>
+              </a:defRPr>
+            </a:lvl5pPr>
+            <a:lvl6pPr marL="2286000" algn="l" defTabSz="914400" rtl="0" eaLnBrk="1" latinLnBrk="0" hangingPunct="1">
+              <a:defRPr sz="1800" kern="1200">
+                <a:solidFill>
+                  <a:schemeClr val="lt1"/>
+                </a:solidFill>
+                <a:latin typeface="+mn-lt"/>
+                <a:ea typeface="+mn-ea"/>
+                <a:cs typeface="+mn-cs"/>
+              </a:defRPr>
+            </a:lvl6pPr>
+            <a:lvl7pPr marL="2743200" algn="l" defTabSz="914400" rtl="0" eaLnBrk="1" latinLnBrk="0" hangingPunct="1">
+              <a:defRPr sz="1800" kern="1200">
+                <a:solidFill>
+                  <a:schemeClr val="lt1"/>
+                </a:solidFill>
+                <a:latin typeface="+mn-lt"/>
+                <a:ea typeface="+mn-ea"/>
+                <a:cs typeface="+mn-cs"/>
+              </a:defRPr>
+            </a:lvl7pPr>
+            <a:lvl8pPr marL="3200400" algn="l" defTabSz="914400" rtl="0" eaLnBrk="1" latinLnBrk="0" hangingPunct="1">
+              <a:defRPr sz="1800" kern="1200">
+                <a:solidFill>
+                  <a:schemeClr val="lt1"/>
+                </a:solidFill>
+                <a:latin typeface="+mn-lt"/>
+                <a:ea typeface="+mn-ea"/>
+                <a:cs typeface="+mn-cs"/>
+              </a:defRPr>
+            </a:lvl8pPr>
+            <a:lvl9pPr marL="3657600" algn="l" defTabSz="914400" rtl="0" eaLnBrk="1" latinLnBrk="0" hangingPunct="1">
+              <a:defRPr sz="1800" kern="1200">
+                <a:solidFill>
+                  <a:schemeClr val="lt1"/>
+                </a:solidFill>
+                <a:latin typeface="+mn-lt"/>
+                <a:ea typeface="+mn-ea"/>
+                <a:cs typeface="+mn-cs"/>
+              </a:defRPr>
+            </a:lvl9pPr>
+          </a:lstStyle>
+          <a:p>
+            <a:pPr algn="ctr"/>
+            <a:endParaRPr lang="en-US"/>
+          </a:p>
+        </p:txBody>
+      </p:sp>
+      <p:sp>
+        <p:nvSpPr>
+          <p:cNvPr id="9" name="TextBox 8">
+            <a:extLst>
+              <a:ext uri="{FF2B5EF4-FFF2-40B4-BE49-F238E27FC236}">
+                <a16:creationId xmlns:a16="http://schemas.microsoft.com/office/drawing/2014/main" id="{FF34D9B2-D00D-ABE6-73CF-C0EC4EA5473D}"/>
+              </a:ext>
+            </a:extLst>
+          </p:cNvPr>
+          <p:cNvSpPr txBox="1"/>
+          <p:nvPr/>
+        </p:nvSpPr>
+        <p:spPr>
+          <a:xfrm>
+            <a:off x="533400" y="152400"/>
+            <a:ext cx="8153400" cy="369332"/>
+          </a:xfrm>
+          <a:prstGeom prst="rect">
+            <a:avLst/>
+          </a:prstGeom>
+        </p:spPr>
+        <p:style>
+          <a:lnRef idx="3">
+            <a:schemeClr val="lt1"/>
+          </a:lnRef>
+          <a:fillRef idx="1">
+            <a:schemeClr val="accent2"/>
+          </a:fillRef>
+          <a:effectRef idx="1">
+            <a:schemeClr val="accent2"/>
+          </a:effectRef>
+          <a:fontRef idx="minor">
+            <a:schemeClr val="lt1"/>
+          </a:fontRef>
+        </p:style>
+        <p:txBody>
+          <a:bodyPr wrap="square" rtlCol="0">
+            <a:spAutoFit/>
+          </a:bodyPr>
+          <a:lstStyle/>
+          <a:p>
+            <a:pPr algn="ctr"/>
+            <a:r>
+              <a:rPr lang="en-US" dirty="0"/>
+              <a:t>Large Language Models as Knowledge-based Agents</a:t>
+            </a:r>
+          </a:p>
+        </p:txBody>
+      </p:sp>
+      <p:sp>
+        <p:nvSpPr>
+          <p:cNvPr id="14" name="Flowchart: Multidocument 13">
+            <a:extLst>
+              <a:ext uri="{FF2B5EF4-FFF2-40B4-BE49-F238E27FC236}">
+                <a16:creationId xmlns:a16="http://schemas.microsoft.com/office/drawing/2014/main" id="{587D664C-62DD-B249-E25E-723233B2179A}"/>
+              </a:ext>
+            </a:extLst>
+          </p:cNvPr>
+          <p:cNvSpPr/>
+          <p:nvPr/>
+        </p:nvSpPr>
+        <p:spPr>
+          <a:xfrm>
+            <a:off x="2929292" y="3039254"/>
+            <a:ext cx="1143000" cy="610191"/>
+          </a:xfrm>
+          <a:prstGeom prst="flowChartMultidocument">
+            <a:avLst/>
+          </a:prstGeom>
+        </p:spPr>
+        <p:style>
+          <a:lnRef idx="3">
+            <a:schemeClr val="lt1"/>
+          </a:lnRef>
+          <a:fillRef idx="1">
+            <a:schemeClr val="accent2"/>
+          </a:fillRef>
+          <a:effectRef idx="1">
+            <a:schemeClr val="accent2"/>
+          </a:effectRef>
+          <a:fontRef idx="minor">
+            <a:schemeClr val="lt1"/>
+          </a:fontRef>
+        </p:style>
+        <p:txBody>
+          <a:bodyPr rtlCol="0" anchor="ctr"/>
+          <a:lstStyle/>
+          <a:p>
+            <a:pPr algn="ctr"/>
+            <a:r>
+              <a:rPr lang="en-US" dirty="0"/>
+              <a:t>Prompts</a:t>
+            </a:r>
+          </a:p>
+        </p:txBody>
+      </p:sp>
+      <p:cxnSp>
+        <p:nvCxnSpPr>
+          <p:cNvPr id="16" name="Straight Arrow Connector 15">
+            <a:extLst>
+              <a:ext uri="{FF2B5EF4-FFF2-40B4-BE49-F238E27FC236}">
+                <a16:creationId xmlns:a16="http://schemas.microsoft.com/office/drawing/2014/main" id="{C7D32E6D-586F-B355-E331-F1089D35FED0}"/>
+              </a:ext>
+            </a:extLst>
+          </p:cNvPr>
+          <p:cNvCxnSpPr>
+            <a:cxnSpLocks/>
+          </p:cNvCxnSpPr>
+          <p:nvPr/>
+        </p:nvCxnSpPr>
+        <p:spPr>
+          <a:xfrm flipV="1">
+            <a:off x="3516704" y="3649445"/>
+            <a:ext cx="0" cy="366111"/>
+          </a:xfrm>
+          <a:prstGeom prst="straightConnector1">
+            <a:avLst/>
+          </a:prstGeom>
+          <a:ln>
+            <a:tailEnd type="triangle"/>
+          </a:ln>
+        </p:spPr>
+        <p:style>
+          <a:lnRef idx="3">
+            <a:schemeClr val="accent2"/>
+          </a:lnRef>
+          <a:fillRef idx="0">
+            <a:schemeClr val="accent2"/>
+          </a:fillRef>
+          <a:effectRef idx="2">
+            <a:schemeClr val="accent2"/>
+          </a:effectRef>
+          <a:fontRef idx="minor">
+            <a:schemeClr val="tx1"/>
+          </a:fontRef>
+        </p:style>
+      </p:cxnSp>
+      <p:sp>
+        <p:nvSpPr>
+          <p:cNvPr id="17" name="Flowchart: Multidocument 16">
+            <a:extLst>
+              <a:ext uri="{FF2B5EF4-FFF2-40B4-BE49-F238E27FC236}">
+                <a16:creationId xmlns:a16="http://schemas.microsoft.com/office/drawing/2014/main" id="{D4139DBB-ACD7-C8DA-CB8D-D19E855EB49C}"/>
+              </a:ext>
+            </a:extLst>
+          </p:cNvPr>
+          <p:cNvSpPr/>
+          <p:nvPr/>
+        </p:nvSpPr>
+        <p:spPr>
+          <a:xfrm>
+            <a:off x="5731194" y="2860221"/>
+            <a:ext cx="1143000" cy="903574"/>
+          </a:xfrm>
+          <a:prstGeom prst="flowChartMultidocument">
+            <a:avLst/>
+          </a:prstGeom>
+        </p:spPr>
+        <p:style>
+          <a:lnRef idx="3">
+            <a:schemeClr val="lt1"/>
+          </a:lnRef>
+          <a:fillRef idx="1">
+            <a:schemeClr val="accent2"/>
+          </a:fillRef>
+          <a:effectRef idx="1">
+            <a:schemeClr val="accent2"/>
+          </a:effectRef>
+          <a:fontRef idx="minor">
+            <a:schemeClr val="lt1"/>
+          </a:fontRef>
+        </p:style>
+        <p:txBody>
+          <a:bodyPr rtlCol="0" anchor="ctr"/>
+          <a:lstStyle/>
+          <a:p>
+            <a:pPr algn="ctr"/>
+            <a:r>
+              <a:rPr lang="en-US" dirty="0"/>
+              <a:t>Text</a:t>
+            </a:r>
+          </a:p>
+        </p:txBody>
+      </p:sp>
+      <p:cxnSp>
+        <p:nvCxnSpPr>
+          <p:cNvPr id="18" name="Straight Arrow Connector 17">
+            <a:extLst>
+              <a:ext uri="{FF2B5EF4-FFF2-40B4-BE49-F238E27FC236}">
+                <a16:creationId xmlns:a16="http://schemas.microsoft.com/office/drawing/2014/main" id="{0E12B84E-1EBA-5FFE-11F4-601B9E77FB74}"/>
+              </a:ext>
+            </a:extLst>
+          </p:cNvPr>
+          <p:cNvCxnSpPr>
+            <a:cxnSpLocks/>
+          </p:cNvCxnSpPr>
+          <p:nvPr/>
+        </p:nvCxnSpPr>
+        <p:spPr>
+          <a:xfrm>
+            <a:off x="3886199" y="2477293"/>
+            <a:ext cx="1884404" cy="382928"/>
+          </a:xfrm>
+          <a:prstGeom prst="straightConnector1">
+            <a:avLst/>
+          </a:prstGeom>
+          <a:ln>
+            <a:tailEnd type="triangle"/>
+          </a:ln>
+        </p:spPr>
+        <p:style>
+          <a:lnRef idx="3">
+            <a:schemeClr val="accent2"/>
+          </a:lnRef>
+          <a:fillRef idx="0">
+            <a:schemeClr val="accent2"/>
+          </a:fillRef>
+          <a:effectRef idx="2">
+            <a:schemeClr val="accent2"/>
+          </a:effectRef>
+          <a:fontRef idx="minor">
+            <a:schemeClr val="tx1"/>
+          </a:fontRef>
+        </p:style>
+      </p:cxnSp>
+      <p:sp>
+        <p:nvSpPr>
+          <p:cNvPr id="21" name="TextBox 20">
+            <a:extLst>
+              <a:ext uri="{FF2B5EF4-FFF2-40B4-BE49-F238E27FC236}">
+                <a16:creationId xmlns:a16="http://schemas.microsoft.com/office/drawing/2014/main" id="{697A8A1B-AF90-62D1-5F1B-1F50136C3B7C}"/>
+              </a:ext>
+            </a:extLst>
+          </p:cNvPr>
+          <p:cNvSpPr txBox="1"/>
+          <p:nvPr/>
+        </p:nvSpPr>
+        <p:spPr>
+          <a:xfrm rot="801344">
+            <a:off x="4136197" y="2606150"/>
+            <a:ext cx="1158907" cy="369332"/>
+          </a:xfrm>
+          <a:prstGeom prst="rect">
+            <a:avLst/>
+          </a:prstGeom>
+          <a:noFill/>
+        </p:spPr>
+        <p:txBody>
+          <a:bodyPr wrap="none" rtlCol="0">
+            <a:spAutoFit/>
+          </a:bodyPr>
+          <a:lstStyle/>
+          <a:p>
+            <a:r>
+              <a:rPr lang="en-US" b="1" dirty="0">
+                <a:solidFill>
+                  <a:schemeClr val="accent2"/>
+                </a:solidFill>
+              </a:rPr>
+              <a:t>Generates</a:t>
+            </a:r>
+          </a:p>
+        </p:txBody>
+      </p:sp>
+      <p:cxnSp>
+        <p:nvCxnSpPr>
+          <p:cNvPr id="22" name="Straight Arrow Connector 21">
+            <a:extLst>
+              <a:ext uri="{FF2B5EF4-FFF2-40B4-BE49-F238E27FC236}">
+                <a16:creationId xmlns:a16="http://schemas.microsoft.com/office/drawing/2014/main" id="{CE970966-C578-FE62-E5B4-343595585FB7}"/>
+              </a:ext>
+            </a:extLst>
+          </p:cNvPr>
+          <p:cNvCxnSpPr>
+            <a:cxnSpLocks/>
+          </p:cNvCxnSpPr>
+          <p:nvPr/>
+        </p:nvCxnSpPr>
+        <p:spPr>
+          <a:xfrm>
+            <a:off x="6477000" y="3696493"/>
+            <a:ext cx="0" cy="389898"/>
+          </a:xfrm>
+          <a:prstGeom prst="straightConnector1">
+            <a:avLst/>
+          </a:prstGeom>
+          <a:ln>
+            <a:tailEnd type="triangle"/>
+          </a:ln>
+        </p:spPr>
+        <p:style>
+          <a:lnRef idx="3">
+            <a:schemeClr val="accent2"/>
+          </a:lnRef>
+          <a:fillRef idx="0">
+            <a:schemeClr val="accent2"/>
+          </a:fillRef>
+          <a:effectRef idx="2">
+            <a:schemeClr val="accent2"/>
+          </a:effectRef>
+          <a:fontRef idx="minor">
+            <a:schemeClr val="tx1"/>
+          </a:fontRef>
+        </p:style>
+      </p:cxnSp>
+      <p:grpSp>
+        <p:nvGrpSpPr>
+          <p:cNvPr id="31" name="Group 30">
+            <a:extLst>
+              <a:ext uri="{FF2B5EF4-FFF2-40B4-BE49-F238E27FC236}">
+                <a16:creationId xmlns:a16="http://schemas.microsoft.com/office/drawing/2014/main" id="{9649024D-198D-0681-81BD-6BE64DAD75A7}"/>
+              </a:ext>
+            </a:extLst>
+          </p:cNvPr>
+          <p:cNvGrpSpPr/>
+          <p:nvPr/>
+        </p:nvGrpSpPr>
+        <p:grpSpPr>
+          <a:xfrm>
+            <a:off x="5023409" y="2022864"/>
+            <a:ext cx="1515185" cy="566145"/>
+            <a:chOff x="5867400" y="1524000"/>
+            <a:chExt cx="936306" cy="566145"/>
+          </a:xfrm>
+        </p:grpSpPr>
+        <p:cxnSp>
+          <p:nvCxnSpPr>
+            <p:cNvPr id="25" name="Straight Connector 24">
+              <a:extLst>
+                <a:ext uri="{FF2B5EF4-FFF2-40B4-BE49-F238E27FC236}">
+                  <a16:creationId xmlns:a16="http://schemas.microsoft.com/office/drawing/2014/main" id="{3C19A48D-5C1C-807E-C6A8-7757A8BA999E}"/>
+                </a:ext>
+              </a:extLst>
+            </p:cNvPr>
+            <p:cNvCxnSpPr>
+              <a:cxnSpLocks/>
+            </p:cNvCxnSpPr>
+            <p:nvPr/>
+          </p:nvCxnSpPr>
+          <p:spPr>
+            <a:xfrm>
+              <a:off x="5867400" y="1528600"/>
+              <a:ext cx="936306" cy="545017"/>
+            </a:xfrm>
+            <a:prstGeom prst="line">
+              <a:avLst/>
+            </a:prstGeom>
+          </p:spPr>
+          <p:style>
+            <a:lnRef idx="3">
+              <a:schemeClr val="accent2"/>
+            </a:lnRef>
+            <a:fillRef idx="0">
+              <a:schemeClr val="accent2"/>
+            </a:fillRef>
+            <a:effectRef idx="2">
+              <a:schemeClr val="accent2"/>
+            </a:effectRef>
+            <a:fontRef idx="minor">
+              <a:schemeClr val="tx1"/>
+            </a:fontRef>
+          </p:style>
+        </p:cxnSp>
+        <p:cxnSp>
+          <p:nvCxnSpPr>
+            <p:cNvPr id="26" name="Straight Connector 25">
+              <a:extLst>
+                <a:ext uri="{FF2B5EF4-FFF2-40B4-BE49-F238E27FC236}">
+                  <a16:creationId xmlns:a16="http://schemas.microsoft.com/office/drawing/2014/main" id="{F6DBA013-DF20-0788-AE43-DE9F383864E2}"/>
+                </a:ext>
+              </a:extLst>
+            </p:cNvPr>
+            <p:cNvCxnSpPr>
+              <a:cxnSpLocks/>
+            </p:cNvCxnSpPr>
+            <p:nvPr/>
+          </p:nvCxnSpPr>
+          <p:spPr>
+            <a:xfrm flipV="1">
+              <a:off x="5901955" y="1524000"/>
+              <a:ext cx="901751" cy="566145"/>
+            </a:xfrm>
+            <a:prstGeom prst="line">
+              <a:avLst/>
+            </a:prstGeom>
+          </p:spPr>
+          <p:style>
+            <a:lnRef idx="3">
+              <a:schemeClr val="accent2"/>
+            </a:lnRef>
+            <a:fillRef idx="0">
+              <a:schemeClr val="accent2"/>
+            </a:fillRef>
+            <a:effectRef idx="2">
+              <a:schemeClr val="accent2"/>
+            </a:effectRef>
+            <a:fontRef idx="minor">
+              <a:schemeClr val="tx1"/>
+            </a:fontRef>
+          </p:style>
+        </p:cxnSp>
+      </p:grpSp>
+      <p:sp>
+        <p:nvSpPr>
+          <p:cNvPr id="32" name="Speech Bubble: Rectangle with Corners Rounded 31">
+            <a:extLst>
+              <a:ext uri="{FF2B5EF4-FFF2-40B4-BE49-F238E27FC236}">
+                <a16:creationId xmlns:a16="http://schemas.microsoft.com/office/drawing/2014/main" id="{3B77A4D0-1B69-8099-AA4C-9EE2F0618A4C}"/>
+              </a:ext>
+            </a:extLst>
+          </p:cNvPr>
+          <p:cNvSpPr/>
+          <p:nvPr/>
+        </p:nvSpPr>
+        <p:spPr>
+          <a:xfrm>
+            <a:off x="721549" y="1293003"/>
+            <a:ext cx="1716851" cy="669640"/>
+          </a:xfrm>
+          <a:prstGeom prst="wedgeRoundRectCallout">
+            <a:avLst>
+              <a:gd name="adj1" fmla="val -20833"/>
+              <a:gd name="adj2" fmla="val 109029"/>
+              <a:gd name="adj3" fmla="val 16667"/>
+            </a:avLst>
+          </a:prstGeom>
+        </p:spPr>
+        <p:style>
+          <a:lnRef idx="3">
+            <a:schemeClr val="lt1"/>
+          </a:lnRef>
+          <a:fillRef idx="1">
+            <a:schemeClr val="accent2"/>
+          </a:fillRef>
+          <a:effectRef idx="1">
+            <a:schemeClr val="accent2"/>
+          </a:effectRef>
+          <a:fontRef idx="minor">
+            <a:schemeClr val="lt1"/>
+          </a:fontRef>
+        </p:style>
+        <p:txBody>
+          <a:bodyPr rtlCol="0" anchor="ctr"/>
+          <a:lstStyle/>
+          <a:p>
+            <a:pPr algn="ctr"/>
+            <a:r>
+              <a:rPr lang="en-US" dirty="0"/>
+              <a:t>Learned words, grammar, facts.</a:t>
+            </a:r>
+          </a:p>
+        </p:txBody>
+      </p:sp>
+    </p:spTree>
+    <p:extLst>
+      <p:ext uri="{BB962C8B-B14F-4D97-AF65-F5344CB8AC3E}">
+        <p14:creationId xmlns:p14="http://schemas.microsoft.com/office/powerpoint/2010/main" val="4091947160"/>
+      </p:ext>
+    </p:extLst>
+  </p:cSld>
+  <p:clrMapOvr>
+    <a:masterClrMapping/>
+  </p:clrMapOvr>
+</p:sld>
+</file>
+
+<file path=ppt/slides/slide38.xml><?xml version="1.0" encoding="utf-8"?>
+<p:sld xmlns:a="http://schemas.openxmlformats.org/drawingml/2006/main" xmlns:r="http://schemas.openxmlformats.org/officeDocument/2006/relationships" xmlns:p="http://schemas.openxmlformats.org/presentationml/2006/main">
+  <p:cSld>
+    <p:spTree>
+      <p:nvGrpSpPr>
+        <p:cNvPr id="1" name=""/>
+        <p:cNvGrpSpPr/>
+        <p:nvPr/>
+      </p:nvGrpSpPr>
+      <p:grpSpPr>
+        <a:xfrm>
+          <a:off x="0" y="0"/>
+          <a:ext cx="0" cy="0"/>
+          <a:chOff x="0" y="0"/>
+          <a:chExt cx="0" cy="0"/>
+        </a:xfrm>
+      </p:grpSpPr>
+      <p:sp>
+        <p:nvSpPr>
+          <p:cNvPr id="5122" name="Rectangle 2"/>
+          <p:cNvSpPr>
+            <a:spLocks noGrp="1" noChangeArrowheads="1"/>
+          </p:cNvSpPr>
+          <p:nvPr>
+            <p:ph type="title"/>
+          </p:nvPr>
+        </p:nvSpPr>
+        <p:spPr/>
+        <p:txBody>
+          <a:bodyPr/>
+          <a:lstStyle/>
+          <a:p>
+            <a:r>
+              <a:rPr lang="en-US" dirty="0"/>
+              <a:t>Knowledge-Based Agents</a:t>
+            </a:r>
+          </a:p>
+        </p:txBody>
+      </p:sp>
+      <p:sp>
+        <p:nvSpPr>
+          <p:cNvPr id="5123" name="Rectangle 3"/>
+          <p:cNvSpPr>
+            <a:spLocks noGrp="1" noChangeArrowheads="1"/>
+          </p:cNvSpPr>
+          <p:nvPr>
+            <p:ph idx="1"/>
+          </p:nvPr>
+        </p:nvSpPr>
+        <p:spPr>
+          <a:xfrm>
+            <a:off x="457200" y="5102394"/>
+            <a:ext cx="8229600" cy="1146006"/>
+          </a:xfrm>
+        </p:spPr>
+        <p:txBody>
+          <a:bodyPr/>
+          <a:lstStyle/>
+          <a:p>
+            <a:pPr marL="0" indent="0">
+              <a:buNone/>
+            </a:pPr>
+            <a:endParaRPr lang="en-US" sz="2000" dirty="0"/>
+          </a:p>
+        </p:txBody>
+      </p:sp>
+      <p:sp>
+        <p:nvSpPr>
+          <p:cNvPr id="7" name="Rectangle 6"/>
+          <p:cNvSpPr/>
+          <p:nvPr/>
+        </p:nvSpPr>
+        <p:spPr bwMode="auto">
+          <a:xfrm>
+            <a:off x="838200" y="3200400"/>
+            <a:ext cx="2667000" cy="533400"/>
+          </a:xfrm>
+          <a:prstGeom prst="rect">
+            <a:avLst/>
+          </a:prstGeom>
+          <a:ln>
+            <a:headEnd type="none" w="med" len="med"/>
+            <a:tailEnd type="none" w="med" len="med"/>
+          </a:ln>
+        </p:spPr>
+        <p:style>
+          <a:lnRef idx="3">
+            <a:schemeClr val="lt1"/>
+          </a:lnRef>
+          <a:fillRef idx="1">
+            <a:schemeClr val="accent5"/>
+          </a:fillRef>
+          <a:effectRef idx="1">
+            <a:schemeClr val="accent5"/>
+          </a:effectRef>
+          <a:fontRef idx="minor">
+            <a:schemeClr val="lt1"/>
+          </a:fontRef>
+        </p:style>
+        <p:txBody>
+          <a:bodyPr vert="horz" wrap="square" lIns="91440" tIns="45720" rIns="91440" bIns="45720" numCol="1" rtlCol="0" anchor="ctr" anchorCtr="0" compatLnSpc="1">
+            <a:prstTxWarp prst="textNoShape">
+              <a:avLst/>
+            </a:prstTxWarp>
+          </a:bodyPr>
+          <a:lstStyle/>
+          <a:p>
+            <a:pPr marL="0" marR="0" indent="0" algn="ctr" defTabSz="914400" rtl="0" eaLnBrk="1" fontAlgn="base" latinLnBrk="0" hangingPunct="1">
+              <a:lnSpc>
+                <a:spcPct val="100000"/>
+              </a:lnSpc>
+              <a:spcBef>
+                <a:spcPct val="0"/>
+              </a:spcBef>
+              <a:spcAft>
+                <a:spcPct val="0"/>
+              </a:spcAft>
+              <a:buClrTx/>
+              <a:buSzTx/>
+              <a:buFontTx/>
+              <a:buNone/>
+              <a:tabLst/>
+            </a:pPr>
+            <a:r>
+              <a:rPr lang="en-US" dirty="0"/>
+              <a:t>Inference engine</a:t>
+            </a:r>
+          </a:p>
+        </p:txBody>
+      </p:sp>
+      <p:cxnSp>
+        <p:nvCxnSpPr>
+          <p:cNvPr id="19" name="Straight Arrow Connector 18"/>
+          <p:cNvCxnSpPr/>
+          <p:nvPr/>
+        </p:nvCxnSpPr>
+        <p:spPr bwMode="auto">
+          <a:xfrm>
+            <a:off x="3733800" y="3427412"/>
+            <a:ext cx="1447800" cy="1588"/>
+          </a:xfrm>
+          <a:prstGeom prst="straightConnector1">
+            <a:avLst/>
+          </a:prstGeom>
+          <a:solidFill>
+            <a:schemeClr val="accent1"/>
+          </a:solidFill>
+          <a:ln w="9525" cap="flat" cmpd="sng" algn="ctr">
+            <a:solidFill>
+              <a:schemeClr val="tx1"/>
+            </a:solidFill>
+            <a:prstDash val="solid"/>
+            <a:round/>
+            <a:headEnd type="none" w="med" len="med"/>
+            <a:tailEnd type="arrow"/>
+          </a:ln>
+          <a:effectLst/>
+        </p:spPr>
+      </p:cxnSp>
+      <p:sp>
+        <p:nvSpPr>
+          <p:cNvPr id="21" name="Rectangle 20"/>
+          <p:cNvSpPr/>
+          <p:nvPr/>
+        </p:nvSpPr>
+        <p:spPr>
+          <a:xfrm>
+            <a:off x="5216493" y="3242846"/>
+            <a:ext cx="3089307" cy="338554"/>
+          </a:xfrm>
+          <a:prstGeom prst="rect">
+            <a:avLst/>
+          </a:prstGeom>
+        </p:spPr>
+        <p:txBody>
+          <a:bodyPr wrap="none">
+            <a:spAutoFit/>
+          </a:bodyPr>
+          <a:lstStyle/>
+          <a:p>
+            <a:pPr algn="ctr"/>
+            <a:r>
+              <a:rPr lang="en-US" sz="1600" b="0" dirty="0"/>
+              <a:t>Domain-independent algorithms</a:t>
+            </a:r>
+          </a:p>
+        </p:txBody>
+      </p:sp>
+      <p:cxnSp>
+        <p:nvCxnSpPr>
+          <p:cNvPr id="22" name="Straight Arrow Connector 21"/>
+          <p:cNvCxnSpPr/>
+          <p:nvPr/>
+        </p:nvCxnSpPr>
+        <p:spPr bwMode="auto">
+          <a:xfrm>
+            <a:off x="3695700" y="2885868"/>
+            <a:ext cx="1447800" cy="1588"/>
+          </a:xfrm>
+          <a:prstGeom prst="straightConnector1">
+            <a:avLst/>
+          </a:prstGeom>
+          <a:solidFill>
+            <a:schemeClr val="accent1"/>
+          </a:solidFill>
+          <a:ln w="9525" cap="flat" cmpd="sng" algn="ctr">
+            <a:solidFill>
+              <a:schemeClr val="tx1"/>
+            </a:solidFill>
+            <a:prstDash val="solid"/>
+            <a:round/>
+            <a:headEnd type="none" w="med" len="med"/>
+            <a:tailEnd type="arrow"/>
+          </a:ln>
+          <a:effectLst/>
+        </p:spPr>
+      </p:cxnSp>
+      <p:sp>
+        <p:nvSpPr>
+          <p:cNvPr id="23" name="Rectangle 22"/>
+          <p:cNvSpPr/>
+          <p:nvPr/>
+        </p:nvSpPr>
+        <p:spPr>
+          <a:xfrm>
+            <a:off x="5216493" y="2731979"/>
+            <a:ext cx="2917465" cy="307777"/>
+          </a:xfrm>
+          <a:prstGeom prst="rect">
+            <a:avLst/>
+          </a:prstGeom>
+        </p:spPr>
+        <p:txBody>
+          <a:bodyPr wrap="none">
+            <a:spAutoFit/>
+          </a:bodyPr>
+          <a:lstStyle/>
+          <a:p>
+            <a:pPr algn="ctr"/>
+            <a:r>
+              <a:rPr lang="en-US" sz="1400" b="0" dirty="0"/>
+              <a:t>Domain-specific content </a:t>
+            </a:r>
+            <a:r>
+              <a:rPr lang="en-US" sz="1400" b="1" dirty="0">
+                <a:solidFill>
+                  <a:schemeClr val="accent2"/>
+                </a:solidFill>
+              </a:rPr>
+              <a:t>(fine tuning)</a:t>
+            </a:r>
+          </a:p>
+        </p:txBody>
+      </p:sp>
+      <p:sp>
+        <p:nvSpPr>
+          <p:cNvPr id="2" name="Cylinder 1">
+            <a:extLst>
+              <a:ext uri="{FF2B5EF4-FFF2-40B4-BE49-F238E27FC236}">
+                <a16:creationId xmlns:a16="http://schemas.microsoft.com/office/drawing/2014/main" id="{8475278E-F5B8-47FE-8837-86D2EFE260DD}"/>
+              </a:ext>
+            </a:extLst>
+          </p:cNvPr>
+          <p:cNvSpPr/>
+          <p:nvPr/>
+        </p:nvSpPr>
+        <p:spPr>
+          <a:xfrm>
+            <a:off x="1414463" y="2272695"/>
+            <a:ext cx="1447800" cy="1040191"/>
+          </a:xfrm>
+          <a:prstGeom prst="can">
+            <a:avLst/>
+          </a:prstGeom>
+        </p:spPr>
+        <p:style>
+          <a:lnRef idx="2">
+            <a:schemeClr val="accent6">
+              <a:shade val="50000"/>
+            </a:schemeClr>
+          </a:lnRef>
+          <a:fillRef idx="1">
+            <a:schemeClr val="accent6"/>
+          </a:fillRef>
+          <a:effectRef idx="0">
+            <a:schemeClr val="accent6"/>
+          </a:effectRef>
+          <a:fontRef idx="minor">
+            <a:schemeClr val="lt1"/>
+          </a:fontRef>
+        </p:style>
+        <p:txBody>
+          <a:bodyPr rtlCol="0" anchor="ctr"/>
+          <a:lstStyle/>
+          <a:p>
+            <a:pPr algn="ctr" fontAlgn="base">
+              <a:spcBef>
+                <a:spcPct val="0"/>
+              </a:spcBef>
+              <a:spcAft>
+                <a:spcPct val="0"/>
+              </a:spcAft>
+            </a:pPr>
+            <a:r>
+              <a:rPr lang="en-US" dirty="0"/>
+              <a:t>Knowledge base</a:t>
+            </a:r>
+            <a:endParaRPr lang="en-US" b="1" dirty="0">
+              <a:solidFill>
+                <a:schemeClr val="tx1"/>
+              </a:solidFill>
+              <a:latin typeface="Arial" charset="0"/>
+            </a:endParaRPr>
+          </a:p>
+        </p:txBody>
+      </p:sp>
+      <p:sp>
+        <p:nvSpPr>
+          <p:cNvPr id="3" name="Star: 5 Points 2">
+            <a:extLst>
+              <a:ext uri="{FF2B5EF4-FFF2-40B4-BE49-F238E27FC236}">
+                <a16:creationId xmlns:a16="http://schemas.microsoft.com/office/drawing/2014/main" id="{6554FFF8-D25E-37CB-2E8A-48C2D58D504E}"/>
+              </a:ext>
+            </a:extLst>
+          </p:cNvPr>
+          <p:cNvSpPr/>
+          <p:nvPr/>
+        </p:nvSpPr>
+        <p:spPr>
+          <a:xfrm>
+            <a:off x="8763000" y="129075"/>
+            <a:ext cx="247650" cy="244474"/>
+          </a:xfrm>
+          <a:prstGeom prst="star5">
+            <a:avLst/>
+          </a:prstGeom>
+        </p:spPr>
+        <p:style>
+          <a:lnRef idx="2">
+            <a:schemeClr val="accent2">
+              <a:shade val="50000"/>
+            </a:schemeClr>
+          </a:lnRef>
+          <a:fillRef idx="1">
+            <a:schemeClr val="accent2"/>
+          </a:fillRef>
+          <a:effectRef idx="0">
+            <a:schemeClr val="accent2"/>
+          </a:effectRef>
+          <a:fontRef idx="minor">
+            <a:schemeClr val="lt1"/>
+          </a:fontRef>
+        </p:style>
+        <p:txBody>
+          <a:bodyPr rtlCol="0" anchor="ctr"/>
+          <a:lstStyle>
+            <a:defPPr>
+              <a:defRPr lang="en-US"/>
+            </a:defPPr>
+            <a:lvl1pPr marL="0" algn="l" defTabSz="914400" rtl="0" eaLnBrk="1" latinLnBrk="0" hangingPunct="1">
+              <a:defRPr sz="1800" kern="1200">
+                <a:solidFill>
+                  <a:schemeClr val="lt1"/>
+                </a:solidFill>
+                <a:latin typeface="+mn-lt"/>
+                <a:ea typeface="+mn-ea"/>
+                <a:cs typeface="+mn-cs"/>
+              </a:defRPr>
+            </a:lvl1pPr>
+            <a:lvl2pPr marL="457200" algn="l" defTabSz="914400" rtl="0" eaLnBrk="1" latinLnBrk="0" hangingPunct="1">
+              <a:defRPr sz="1800" kern="1200">
+                <a:solidFill>
+                  <a:schemeClr val="lt1"/>
+                </a:solidFill>
+                <a:latin typeface="+mn-lt"/>
+                <a:ea typeface="+mn-ea"/>
+                <a:cs typeface="+mn-cs"/>
+              </a:defRPr>
+            </a:lvl2pPr>
+            <a:lvl3pPr marL="914400" algn="l" defTabSz="914400" rtl="0" eaLnBrk="1" latinLnBrk="0" hangingPunct="1">
+              <a:defRPr sz="1800" kern="1200">
+                <a:solidFill>
+                  <a:schemeClr val="lt1"/>
+                </a:solidFill>
+                <a:latin typeface="+mn-lt"/>
+                <a:ea typeface="+mn-ea"/>
+                <a:cs typeface="+mn-cs"/>
+              </a:defRPr>
+            </a:lvl3pPr>
+            <a:lvl4pPr marL="1371600" algn="l" defTabSz="914400" rtl="0" eaLnBrk="1" latinLnBrk="0" hangingPunct="1">
+              <a:defRPr sz="1800" kern="1200">
+                <a:solidFill>
+                  <a:schemeClr val="lt1"/>
+                </a:solidFill>
+                <a:latin typeface="+mn-lt"/>
+                <a:ea typeface="+mn-ea"/>
+                <a:cs typeface="+mn-cs"/>
+              </a:defRPr>
+            </a:lvl4pPr>
+            <a:lvl5pPr marL="1828800" algn="l" defTabSz="914400" rtl="0" eaLnBrk="1" latinLnBrk="0" hangingPunct="1">
+              <a:defRPr sz="1800" kern="1200">
+                <a:solidFill>
+                  <a:schemeClr val="lt1"/>
+                </a:solidFill>
+                <a:latin typeface="+mn-lt"/>
+                <a:ea typeface="+mn-ea"/>
+                <a:cs typeface="+mn-cs"/>
+              </a:defRPr>
+            </a:lvl5pPr>
+            <a:lvl6pPr marL="2286000" algn="l" defTabSz="914400" rtl="0" eaLnBrk="1" latinLnBrk="0" hangingPunct="1">
+              <a:defRPr sz="1800" kern="1200">
+                <a:solidFill>
+                  <a:schemeClr val="lt1"/>
+                </a:solidFill>
+                <a:latin typeface="+mn-lt"/>
+                <a:ea typeface="+mn-ea"/>
+                <a:cs typeface="+mn-cs"/>
+              </a:defRPr>
+            </a:lvl6pPr>
+            <a:lvl7pPr marL="2743200" algn="l" defTabSz="914400" rtl="0" eaLnBrk="1" latinLnBrk="0" hangingPunct="1">
+              <a:defRPr sz="1800" kern="1200">
+                <a:solidFill>
+                  <a:schemeClr val="lt1"/>
+                </a:solidFill>
+                <a:latin typeface="+mn-lt"/>
+                <a:ea typeface="+mn-ea"/>
+                <a:cs typeface="+mn-cs"/>
+              </a:defRPr>
+            </a:lvl7pPr>
+            <a:lvl8pPr marL="3200400" algn="l" defTabSz="914400" rtl="0" eaLnBrk="1" latinLnBrk="0" hangingPunct="1">
+              <a:defRPr sz="1800" kern="1200">
+                <a:solidFill>
+                  <a:schemeClr val="lt1"/>
+                </a:solidFill>
+                <a:latin typeface="+mn-lt"/>
+                <a:ea typeface="+mn-ea"/>
+                <a:cs typeface="+mn-cs"/>
+              </a:defRPr>
+            </a:lvl8pPr>
+            <a:lvl9pPr marL="3657600" algn="l" defTabSz="914400" rtl="0" eaLnBrk="1" latinLnBrk="0" hangingPunct="1">
+              <a:defRPr sz="1800" kern="1200">
+                <a:solidFill>
+                  <a:schemeClr val="lt1"/>
+                </a:solidFill>
+                <a:latin typeface="+mn-lt"/>
+                <a:ea typeface="+mn-ea"/>
+                <a:cs typeface="+mn-cs"/>
+              </a:defRPr>
+            </a:lvl9pPr>
+          </a:lstStyle>
+          <a:p>
+            <a:pPr algn="ctr"/>
+            <a:endParaRPr lang="en-US"/>
+          </a:p>
+        </p:txBody>
+      </p:sp>
+      <p:sp>
+        <p:nvSpPr>
+          <p:cNvPr id="4" name="TextBox 3">
+            <a:extLst>
+              <a:ext uri="{FF2B5EF4-FFF2-40B4-BE49-F238E27FC236}">
+                <a16:creationId xmlns:a16="http://schemas.microsoft.com/office/drawing/2014/main" id="{4F1C5A52-9BA7-B44F-1017-FB992C292263}"/>
+              </a:ext>
+            </a:extLst>
+          </p:cNvPr>
+          <p:cNvSpPr txBox="1"/>
+          <p:nvPr/>
+        </p:nvSpPr>
+        <p:spPr>
+          <a:xfrm>
+            <a:off x="533400" y="152400"/>
+            <a:ext cx="8153400" cy="369332"/>
+          </a:xfrm>
+          <a:prstGeom prst="rect">
+            <a:avLst/>
+          </a:prstGeom>
+        </p:spPr>
+        <p:style>
+          <a:lnRef idx="3">
+            <a:schemeClr val="lt1"/>
+          </a:lnRef>
+          <a:fillRef idx="1">
+            <a:schemeClr val="accent2"/>
+          </a:fillRef>
+          <a:effectRef idx="1">
+            <a:schemeClr val="accent2"/>
+          </a:effectRef>
+          <a:fontRef idx="minor">
+            <a:schemeClr val="lt1"/>
+          </a:fontRef>
+        </p:style>
+        <p:txBody>
+          <a:bodyPr wrap="square" rtlCol="0">
+            <a:spAutoFit/>
+          </a:bodyPr>
+          <a:lstStyle/>
+          <a:p>
+            <a:pPr algn="ctr"/>
+            <a:r>
+              <a:rPr lang="en-US" dirty="0"/>
+              <a:t>Large Language Models as Knowledge-based Agents</a:t>
+            </a:r>
+          </a:p>
+        </p:txBody>
+      </p:sp>
+      <p:sp>
+        <p:nvSpPr>
+          <p:cNvPr id="9" name="TextBox 8">
+            <a:extLst>
+              <a:ext uri="{FF2B5EF4-FFF2-40B4-BE49-F238E27FC236}">
+                <a16:creationId xmlns:a16="http://schemas.microsoft.com/office/drawing/2014/main" id="{8DC87447-58A4-8421-4FAF-68F10991E678}"/>
+              </a:ext>
+            </a:extLst>
+          </p:cNvPr>
+          <p:cNvSpPr txBox="1"/>
+          <p:nvPr/>
+        </p:nvSpPr>
+        <p:spPr>
+          <a:xfrm>
+            <a:off x="4724400" y="2308113"/>
+            <a:ext cx="3695700" cy="307777"/>
+          </a:xfrm>
+          <a:prstGeom prst="rect">
+            <a:avLst/>
+          </a:prstGeom>
+          <a:noFill/>
+        </p:spPr>
+        <p:txBody>
+          <a:bodyPr wrap="square" rtlCol="0">
+            <a:spAutoFit/>
+          </a:bodyPr>
+          <a:lstStyle/>
+          <a:p>
+            <a:r>
+              <a:rPr lang="en-US" sz="1400" b="1" dirty="0">
+                <a:solidFill>
+                  <a:schemeClr val="accent2"/>
+                </a:solidFill>
+              </a:rPr>
+              <a:t>Domain-independent content (pre-training)</a:t>
+            </a:r>
+          </a:p>
+        </p:txBody>
+      </p:sp>
+      <p:sp>
+        <p:nvSpPr>
+          <p:cNvPr id="10" name="TextBox 9">
+            <a:extLst>
+              <a:ext uri="{FF2B5EF4-FFF2-40B4-BE49-F238E27FC236}">
+                <a16:creationId xmlns:a16="http://schemas.microsoft.com/office/drawing/2014/main" id="{61E7764B-32CF-CB59-3FDE-99F94BCB9C89}"/>
+              </a:ext>
+            </a:extLst>
+          </p:cNvPr>
+          <p:cNvSpPr txBox="1"/>
+          <p:nvPr/>
+        </p:nvSpPr>
+        <p:spPr>
+          <a:xfrm>
+            <a:off x="6265652" y="2427179"/>
+            <a:ext cx="338554" cy="461665"/>
+          </a:xfrm>
+          <a:prstGeom prst="rect">
+            <a:avLst/>
+          </a:prstGeom>
+          <a:noFill/>
+        </p:spPr>
+        <p:txBody>
+          <a:bodyPr wrap="none" rtlCol="0">
+            <a:spAutoFit/>
+          </a:bodyPr>
+          <a:lstStyle/>
+          <a:p>
+            <a:r>
+              <a:rPr lang="en-US" sz="2400" b="1" dirty="0">
+                <a:solidFill>
+                  <a:schemeClr val="accent2"/>
+                </a:solidFill>
+              </a:rPr>
+              <a:t>+</a:t>
+            </a:r>
+          </a:p>
+        </p:txBody>
+      </p:sp>
+      <p:sp>
+        <p:nvSpPr>
+          <p:cNvPr id="11" name="Speech Bubble: Rectangle with Corners Rounded 10">
+            <a:extLst>
+              <a:ext uri="{FF2B5EF4-FFF2-40B4-BE49-F238E27FC236}">
+                <a16:creationId xmlns:a16="http://schemas.microsoft.com/office/drawing/2014/main" id="{AAF97496-F031-9DC4-52A0-EF0B30BA83B4}"/>
+              </a:ext>
+            </a:extLst>
+          </p:cNvPr>
+          <p:cNvSpPr/>
+          <p:nvPr/>
+        </p:nvSpPr>
+        <p:spPr>
+          <a:xfrm>
+            <a:off x="721549" y="1293003"/>
+            <a:ext cx="1716851" cy="669640"/>
+          </a:xfrm>
+          <a:prstGeom prst="wedgeRoundRectCallout">
+            <a:avLst>
+              <a:gd name="adj1" fmla="val 9151"/>
+              <a:gd name="adj2" fmla="val 114087"/>
+              <a:gd name="adj3" fmla="val 16667"/>
+            </a:avLst>
+          </a:prstGeom>
+        </p:spPr>
+        <p:style>
+          <a:lnRef idx="3">
+            <a:schemeClr val="lt1"/>
+          </a:lnRef>
+          <a:fillRef idx="1">
+            <a:schemeClr val="accent2"/>
+          </a:fillRef>
+          <a:effectRef idx="1">
+            <a:schemeClr val="accent2"/>
+          </a:effectRef>
+          <a:fontRef idx="minor">
+            <a:schemeClr val="lt1"/>
+          </a:fontRef>
+        </p:style>
+        <p:txBody>
+          <a:bodyPr rtlCol="0" anchor="ctr"/>
+          <a:lstStyle/>
+          <a:p>
+            <a:pPr algn="ctr"/>
+            <a:r>
+              <a:rPr lang="en-US" dirty="0"/>
+              <a:t>Learned words, grammar, facts.</a:t>
+            </a:r>
+          </a:p>
+        </p:txBody>
+      </p:sp>
+      <p:sp>
+        <p:nvSpPr>
+          <p:cNvPr id="12" name="Speech Bubble: Rectangle with Corners Rounded 11">
+            <a:extLst>
+              <a:ext uri="{FF2B5EF4-FFF2-40B4-BE49-F238E27FC236}">
+                <a16:creationId xmlns:a16="http://schemas.microsoft.com/office/drawing/2014/main" id="{37749682-A490-0A58-EABF-EF584BDDAC8B}"/>
+              </a:ext>
+            </a:extLst>
+          </p:cNvPr>
+          <p:cNvSpPr/>
+          <p:nvPr/>
+        </p:nvSpPr>
+        <p:spPr>
+          <a:xfrm>
+            <a:off x="399499" y="4083277"/>
+            <a:ext cx="1716851" cy="669640"/>
+          </a:xfrm>
+          <a:prstGeom prst="wedgeRoundRectCallout">
+            <a:avLst>
+              <a:gd name="adj1" fmla="val 61228"/>
+              <a:gd name="adj2" fmla="val -116532"/>
+              <a:gd name="adj3" fmla="val 16667"/>
+            </a:avLst>
+          </a:prstGeom>
+        </p:spPr>
+        <p:style>
+          <a:lnRef idx="3">
+            <a:schemeClr val="lt1"/>
+          </a:lnRef>
+          <a:fillRef idx="1">
+            <a:schemeClr val="accent2"/>
+          </a:fillRef>
+          <a:effectRef idx="1">
+            <a:schemeClr val="accent2"/>
+          </a:effectRef>
+          <a:fontRef idx="minor">
+            <a:schemeClr val="lt1"/>
+          </a:fontRef>
+        </p:style>
+        <p:txBody>
+          <a:bodyPr rtlCol="0" anchor="ctr"/>
+          <a:lstStyle/>
+          <a:p>
+            <a:pPr algn="ctr"/>
+            <a:r>
+              <a:rPr lang="en-US" dirty="0"/>
+              <a:t>Decoder-only transformer</a:t>
+            </a:r>
+          </a:p>
+        </p:txBody>
+      </p:sp>
+    </p:spTree>
+    <p:extLst>
+      <p:ext uri="{BB962C8B-B14F-4D97-AF65-F5344CB8AC3E}">
+        <p14:creationId xmlns:p14="http://schemas.microsoft.com/office/powerpoint/2010/main" val="3491096707"/>
+      </p:ext>
+    </p:extLst>
+  </p:cSld>
+  <p:clrMapOvr>
+    <a:masterClrMapping/>
+  </p:clrMapOvr>
+</p:sld>
+</file>
+
+<file path=ppt/slides/slide39.xml><?xml version="1.0" encoding="utf-8"?>
+<p:sld xmlns:a="http://schemas.openxmlformats.org/drawingml/2006/main" xmlns:r="http://schemas.openxmlformats.org/officeDocument/2006/relationships" xmlns:p="http://schemas.openxmlformats.org/presentationml/2006/main">
+  <p:cSld>
+    <p:spTree>
+      <p:nvGrpSpPr>
+        <p:cNvPr id="1" name=""/>
+        <p:cNvGrpSpPr/>
+        <p:nvPr/>
+      </p:nvGrpSpPr>
+      <p:grpSpPr>
+        <a:xfrm>
+          <a:off x="0" y="0"/>
+          <a:ext cx="0" cy="0"/>
+          <a:chOff x="0" y="0"/>
+          <a:chExt cx="0" cy="0"/>
+        </a:xfrm>
+      </p:grpSpPr>
+      <p:sp>
+        <p:nvSpPr>
+          <p:cNvPr id="2" name="Title 1">
+            <a:extLst>
+              <a:ext uri="{FF2B5EF4-FFF2-40B4-BE49-F238E27FC236}">
+                <a16:creationId xmlns:a16="http://schemas.microsoft.com/office/drawing/2014/main" id="{19929244-F439-4ECF-A211-2DB43D3749C8}"/>
+              </a:ext>
+            </a:extLst>
+          </p:cNvPr>
+          <p:cNvSpPr>
+            <a:spLocks noGrp="1"/>
+          </p:cNvSpPr>
+          <p:nvPr>
+            <p:ph type="title"/>
+          </p:nvPr>
+        </p:nvSpPr>
+        <p:spPr/>
+        <p:txBody>
+          <a:bodyPr/>
+          <a:lstStyle/>
+          <a:p>
+            <a:r>
+              <a:rPr lang="en-US" dirty="0"/>
+              <a:t>Generic Knowledge-based Agent</a:t>
+            </a:r>
+          </a:p>
+        </p:txBody>
+      </p:sp>
+      <p:pic>
+        <p:nvPicPr>
+          <p:cNvPr id="4" name="Picture 3">
+            <a:extLst>
+              <a:ext uri="{FF2B5EF4-FFF2-40B4-BE49-F238E27FC236}">
+                <a16:creationId xmlns:a16="http://schemas.microsoft.com/office/drawing/2014/main" id="{246A7726-3470-46C0-A48C-6E0D536DB040}"/>
+              </a:ext>
+            </a:extLst>
+          </p:cNvPr>
+          <p:cNvPicPr>
+            <a:picLocks noChangeAspect="1"/>
+          </p:cNvPicPr>
+          <p:nvPr/>
+        </p:nvPicPr>
+        <p:blipFill>
+          <a:blip r:embed="rId2"/>
+          <a:stretch>
+            <a:fillRect/>
+          </a:stretch>
+        </p:blipFill>
+        <p:spPr>
+          <a:xfrm>
+            <a:off x="628650" y="2057400"/>
+            <a:ext cx="6215975" cy="2743200"/>
+          </a:xfrm>
+          <a:prstGeom prst="rect">
+            <a:avLst/>
+          </a:prstGeom>
+        </p:spPr>
+        <p:style>
+          <a:lnRef idx="2">
+            <a:schemeClr val="accent2"/>
+          </a:lnRef>
+          <a:fillRef idx="1">
+            <a:schemeClr val="lt1"/>
+          </a:fillRef>
+          <a:effectRef idx="0">
+            <a:schemeClr val="accent2"/>
+          </a:effectRef>
+          <a:fontRef idx="minor">
+            <a:schemeClr val="dk1"/>
+          </a:fontRef>
+        </p:style>
+      </p:pic>
+      <p:sp>
+        <p:nvSpPr>
+          <p:cNvPr id="5" name="TextBox 4">
+            <a:extLst>
+              <a:ext uri="{FF2B5EF4-FFF2-40B4-BE49-F238E27FC236}">
+                <a16:creationId xmlns:a16="http://schemas.microsoft.com/office/drawing/2014/main" id="{A7389A12-594F-47A5-9C9C-D27A51B2B3ED}"/>
+              </a:ext>
+            </a:extLst>
+          </p:cNvPr>
+          <p:cNvSpPr txBox="1"/>
+          <p:nvPr/>
+        </p:nvSpPr>
+        <p:spPr>
+          <a:xfrm>
+            <a:off x="6729362" y="1800225"/>
+            <a:ext cx="1962150" cy="646331"/>
+          </a:xfrm>
+          <a:prstGeom prst="rect">
+            <a:avLst/>
+          </a:prstGeom>
+        </p:spPr>
+        <p:style>
+          <a:lnRef idx="2">
+            <a:schemeClr val="accent6">
+              <a:shade val="50000"/>
+            </a:schemeClr>
+          </a:lnRef>
+          <a:fillRef idx="1">
+            <a:schemeClr val="accent6"/>
+          </a:fillRef>
+          <a:effectRef idx="0">
+            <a:schemeClr val="accent6"/>
+          </a:effectRef>
+          <a:fontRef idx="minor">
+            <a:schemeClr val="lt1"/>
+          </a:fontRef>
+        </p:style>
+        <p:txBody>
+          <a:bodyPr wrap="square" rtlCol="0">
+            <a:spAutoFit/>
+          </a:bodyPr>
+          <a:lstStyle/>
+          <a:p>
+            <a:pPr algn="ctr"/>
+            <a:r>
+              <a:rPr lang="en-US" dirty="0"/>
+              <a:t>Memorize percept at time t</a:t>
+            </a:r>
+          </a:p>
+        </p:txBody>
+      </p:sp>
+      <p:sp>
+        <p:nvSpPr>
+          <p:cNvPr id="6" name="TextBox 5">
+            <a:extLst>
+              <a:ext uri="{FF2B5EF4-FFF2-40B4-BE49-F238E27FC236}">
+                <a16:creationId xmlns:a16="http://schemas.microsoft.com/office/drawing/2014/main" id="{D0A0C361-D473-48AF-8A54-418E444C5164}"/>
+              </a:ext>
+            </a:extLst>
+          </p:cNvPr>
+          <p:cNvSpPr txBox="1"/>
+          <p:nvPr/>
+        </p:nvSpPr>
+        <p:spPr>
+          <a:xfrm>
+            <a:off x="6741775" y="4427537"/>
+            <a:ext cx="1962150" cy="646331"/>
+          </a:xfrm>
+          <a:prstGeom prst="rect">
+            <a:avLst/>
+          </a:prstGeom>
+        </p:spPr>
+        <p:style>
+          <a:lnRef idx="2">
+            <a:schemeClr val="accent6">
+              <a:shade val="50000"/>
+            </a:schemeClr>
+          </a:lnRef>
+          <a:fillRef idx="1">
+            <a:schemeClr val="accent6"/>
+          </a:fillRef>
+          <a:effectRef idx="0">
+            <a:schemeClr val="accent6"/>
+          </a:effectRef>
+          <a:fontRef idx="minor">
+            <a:schemeClr val="lt1"/>
+          </a:fontRef>
+        </p:style>
+        <p:txBody>
+          <a:bodyPr wrap="square" rtlCol="0">
+            <a:spAutoFit/>
+          </a:bodyPr>
+          <a:lstStyle/>
+          <a:p>
+            <a:pPr algn="ctr"/>
+            <a:r>
+              <a:rPr lang="en-US" dirty="0"/>
+              <a:t>Record action taken at time t</a:t>
+            </a:r>
+          </a:p>
+        </p:txBody>
+      </p:sp>
+      <p:sp>
+        <p:nvSpPr>
+          <p:cNvPr id="7" name="TextBox 6">
+            <a:extLst>
+              <a:ext uri="{FF2B5EF4-FFF2-40B4-BE49-F238E27FC236}">
+                <a16:creationId xmlns:a16="http://schemas.microsoft.com/office/drawing/2014/main" id="{6C33C7BB-A826-4B54-B7D8-13D8AF95F7C2}"/>
+              </a:ext>
+            </a:extLst>
+          </p:cNvPr>
+          <p:cNvSpPr txBox="1"/>
+          <p:nvPr/>
+        </p:nvSpPr>
+        <p:spPr>
+          <a:xfrm>
+            <a:off x="6729362" y="3105834"/>
+            <a:ext cx="1962150" cy="1200329"/>
+          </a:xfrm>
+          <a:prstGeom prst="rect">
+            <a:avLst/>
+          </a:prstGeom>
+        </p:spPr>
+        <p:style>
+          <a:lnRef idx="3">
+            <a:schemeClr val="lt1"/>
+          </a:lnRef>
+          <a:fillRef idx="1">
+            <a:schemeClr val="accent2"/>
+          </a:fillRef>
+          <a:effectRef idx="1">
+            <a:schemeClr val="accent2"/>
+          </a:effectRef>
+          <a:fontRef idx="minor">
+            <a:schemeClr val="lt1"/>
+          </a:fontRef>
+        </p:style>
+        <p:txBody>
+          <a:bodyPr wrap="square" rtlCol="0">
+            <a:spAutoFit/>
+          </a:bodyPr>
+          <a:lstStyle/>
+          <a:p>
+            <a:pPr algn="ctr"/>
+            <a:r>
+              <a:rPr lang="en-US" dirty="0"/>
+              <a:t>Ask for generating text (generate new tokens using autoregression)</a:t>
+            </a:r>
+          </a:p>
+        </p:txBody>
+      </p:sp>
+      <p:cxnSp>
+        <p:nvCxnSpPr>
+          <p:cNvPr id="11" name="Straight Arrow Connector 10">
+            <a:extLst>
+              <a:ext uri="{FF2B5EF4-FFF2-40B4-BE49-F238E27FC236}">
+                <a16:creationId xmlns:a16="http://schemas.microsoft.com/office/drawing/2014/main" id="{0DC2667E-4858-4252-AD75-979D1961FE0D}"/>
+              </a:ext>
+            </a:extLst>
+          </p:cNvPr>
+          <p:cNvCxnSpPr>
+            <a:stCxn id="5" idx="1"/>
+          </p:cNvCxnSpPr>
+          <p:nvPr/>
+        </p:nvCxnSpPr>
+        <p:spPr>
+          <a:xfrm flipH="1">
+            <a:off x="4876800" y="2123391"/>
+            <a:ext cx="1852562" cy="982443"/>
+          </a:xfrm>
+          <a:prstGeom prst="straightConnector1">
+            <a:avLst/>
+          </a:prstGeom>
+          <a:ln w="38100">
+            <a:tailEnd type="triangle"/>
+          </a:ln>
+        </p:spPr>
+        <p:style>
+          <a:lnRef idx="3">
+            <a:schemeClr val="accent6"/>
+          </a:lnRef>
+          <a:fillRef idx="0">
+            <a:schemeClr val="accent6"/>
+          </a:fillRef>
+          <a:effectRef idx="2">
+            <a:schemeClr val="accent6"/>
+          </a:effectRef>
+          <a:fontRef idx="minor">
+            <a:schemeClr val="tx1"/>
+          </a:fontRef>
+        </p:style>
+      </p:cxnSp>
+      <p:cxnSp>
+        <p:nvCxnSpPr>
+          <p:cNvPr id="12" name="Straight Arrow Connector 11">
+            <a:extLst>
+              <a:ext uri="{FF2B5EF4-FFF2-40B4-BE49-F238E27FC236}">
+                <a16:creationId xmlns:a16="http://schemas.microsoft.com/office/drawing/2014/main" id="{57028319-FF24-4693-9B50-887BF3051ADC}"/>
+              </a:ext>
+            </a:extLst>
+          </p:cNvPr>
+          <p:cNvCxnSpPr>
+            <a:cxnSpLocks/>
+            <a:stCxn id="7" idx="1"/>
+          </p:cNvCxnSpPr>
+          <p:nvPr/>
+        </p:nvCxnSpPr>
+        <p:spPr>
+          <a:xfrm flipH="1" flipV="1">
+            <a:off x="5803081" y="3544668"/>
+            <a:ext cx="926281" cy="161331"/>
+          </a:xfrm>
+          <a:prstGeom prst="straightConnector1">
+            <a:avLst/>
+          </a:prstGeom>
+          <a:ln>
+            <a:tailEnd type="triangle"/>
+          </a:ln>
+        </p:spPr>
+        <p:style>
+          <a:lnRef idx="3">
+            <a:schemeClr val="accent2"/>
+          </a:lnRef>
+          <a:fillRef idx="0">
+            <a:schemeClr val="accent2"/>
+          </a:fillRef>
+          <a:effectRef idx="2">
+            <a:schemeClr val="accent2"/>
+          </a:effectRef>
+          <a:fontRef idx="minor">
+            <a:schemeClr val="tx1"/>
+          </a:fontRef>
+        </p:style>
+      </p:cxnSp>
+      <p:cxnSp>
+        <p:nvCxnSpPr>
+          <p:cNvPr id="15" name="Straight Arrow Connector 14">
+            <a:extLst>
+              <a:ext uri="{FF2B5EF4-FFF2-40B4-BE49-F238E27FC236}">
+                <a16:creationId xmlns:a16="http://schemas.microsoft.com/office/drawing/2014/main" id="{55F9FCE7-AA78-48B8-9205-AB949B5B5D9C}"/>
+              </a:ext>
+            </a:extLst>
+          </p:cNvPr>
+          <p:cNvCxnSpPr>
+            <a:cxnSpLocks/>
+            <a:stCxn id="6" idx="1"/>
+          </p:cNvCxnSpPr>
+          <p:nvPr/>
+        </p:nvCxnSpPr>
+        <p:spPr>
+          <a:xfrm flipH="1" flipV="1">
+            <a:off x="5257800" y="4009340"/>
+            <a:ext cx="1483975" cy="741363"/>
+          </a:xfrm>
+          <a:prstGeom prst="straightConnector1">
+            <a:avLst/>
+          </a:prstGeom>
+          <a:ln w="38100">
+            <a:tailEnd type="triangle"/>
+          </a:ln>
+        </p:spPr>
+        <p:style>
+          <a:lnRef idx="3">
+            <a:schemeClr val="accent6"/>
+          </a:lnRef>
+          <a:fillRef idx="0">
+            <a:schemeClr val="accent6"/>
+          </a:fillRef>
+          <a:effectRef idx="2">
+            <a:schemeClr val="accent6"/>
+          </a:effectRef>
+          <a:fontRef idx="minor">
+            <a:schemeClr val="tx1"/>
+          </a:fontRef>
+        </p:style>
+      </p:cxnSp>
+      <p:sp>
+        <p:nvSpPr>
+          <p:cNvPr id="3" name="Star: 5 Points 2">
+            <a:extLst>
+              <a:ext uri="{FF2B5EF4-FFF2-40B4-BE49-F238E27FC236}">
+                <a16:creationId xmlns:a16="http://schemas.microsoft.com/office/drawing/2014/main" id="{03978BB4-89D0-6898-DDD2-42EB6B5BAC3E}"/>
+              </a:ext>
+            </a:extLst>
+          </p:cNvPr>
+          <p:cNvSpPr/>
+          <p:nvPr/>
+        </p:nvSpPr>
+        <p:spPr>
+          <a:xfrm>
+            <a:off x="8763000" y="129075"/>
+            <a:ext cx="247650" cy="244474"/>
+          </a:xfrm>
+          <a:prstGeom prst="star5">
+            <a:avLst/>
+          </a:prstGeom>
+        </p:spPr>
+        <p:style>
+          <a:lnRef idx="2">
+            <a:schemeClr val="accent2">
+              <a:shade val="50000"/>
+            </a:schemeClr>
+          </a:lnRef>
+          <a:fillRef idx="1">
+            <a:schemeClr val="accent2"/>
+          </a:fillRef>
+          <a:effectRef idx="0">
+            <a:schemeClr val="accent2"/>
+          </a:effectRef>
+          <a:fontRef idx="minor">
+            <a:schemeClr val="lt1"/>
+          </a:fontRef>
+        </p:style>
+        <p:txBody>
+          <a:bodyPr rtlCol="0" anchor="ctr"/>
+          <a:lstStyle>
+            <a:defPPr>
+              <a:defRPr lang="en-US"/>
+            </a:defPPr>
+            <a:lvl1pPr marL="0" algn="l" defTabSz="914400" rtl="0" eaLnBrk="1" latinLnBrk="0" hangingPunct="1">
+              <a:defRPr sz="1800" kern="1200">
+                <a:solidFill>
+                  <a:schemeClr val="lt1"/>
+                </a:solidFill>
+                <a:latin typeface="+mn-lt"/>
+                <a:ea typeface="+mn-ea"/>
+                <a:cs typeface="+mn-cs"/>
+              </a:defRPr>
+            </a:lvl1pPr>
+            <a:lvl2pPr marL="457200" algn="l" defTabSz="914400" rtl="0" eaLnBrk="1" latinLnBrk="0" hangingPunct="1">
+              <a:defRPr sz="1800" kern="1200">
+                <a:solidFill>
+                  <a:schemeClr val="lt1"/>
+                </a:solidFill>
+                <a:latin typeface="+mn-lt"/>
+                <a:ea typeface="+mn-ea"/>
+                <a:cs typeface="+mn-cs"/>
+              </a:defRPr>
+            </a:lvl2pPr>
+            <a:lvl3pPr marL="914400" algn="l" defTabSz="914400" rtl="0" eaLnBrk="1" latinLnBrk="0" hangingPunct="1">
+              <a:defRPr sz="1800" kern="1200">
+                <a:solidFill>
+                  <a:schemeClr val="lt1"/>
+                </a:solidFill>
+                <a:latin typeface="+mn-lt"/>
+                <a:ea typeface="+mn-ea"/>
+                <a:cs typeface="+mn-cs"/>
+              </a:defRPr>
+            </a:lvl3pPr>
+            <a:lvl4pPr marL="1371600" algn="l" defTabSz="914400" rtl="0" eaLnBrk="1" latinLnBrk="0" hangingPunct="1">
+              <a:defRPr sz="1800" kern="1200">
+                <a:solidFill>
+                  <a:schemeClr val="lt1"/>
+                </a:solidFill>
+                <a:latin typeface="+mn-lt"/>
+                <a:ea typeface="+mn-ea"/>
+                <a:cs typeface="+mn-cs"/>
+              </a:defRPr>
+            </a:lvl4pPr>
+            <a:lvl5pPr marL="1828800" algn="l" defTabSz="914400" rtl="0" eaLnBrk="1" latinLnBrk="0" hangingPunct="1">
+              <a:defRPr sz="1800" kern="1200">
+                <a:solidFill>
+                  <a:schemeClr val="lt1"/>
+                </a:solidFill>
+                <a:latin typeface="+mn-lt"/>
+                <a:ea typeface="+mn-ea"/>
+                <a:cs typeface="+mn-cs"/>
+              </a:defRPr>
+            </a:lvl5pPr>
+            <a:lvl6pPr marL="2286000" algn="l" defTabSz="914400" rtl="0" eaLnBrk="1" latinLnBrk="0" hangingPunct="1">
+              <a:defRPr sz="1800" kern="1200">
+                <a:solidFill>
+                  <a:schemeClr val="lt1"/>
+                </a:solidFill>
+                <a:latin typeface="+mn-lt"/>
+                <a:ea typeface="+mn-ea"/>
+                <a:cs typeface="+mn-cs"/>
+              </a:defRPr>
+            </a:lvl6pPr>
+            <a:lvl7pPr marL="2743200" algn="l" defTabSz="914400" rtl="0" eaLnBrk="1" latinLnBrk="0" hangingPunct="1">
+              <a:defRPr sz="1800" kern="1200">
+                <a:solidFill>
+                  <a:schemeClr val="lt1"/>
+                </a:solidFill>
+                <a:latin typeface="+mn-lt"/>
+                <a:ea typeface="+mn-ea"/>
+                <a:cs typeface="+mn-cs"/>
+              </a:defRPr>
+            </a:lvl7pPr>
+            <a:lvl8pPr marL="3200400" algn="l" defTabSz="914400" rtl="0" eaLnBrk="1" latinLnBrk="0" hangingPunct="1">
+              <a:defRPr sz="1800" kern="1200">
+                <a:solidFill>
+                  <a:schemeClr val="lt1"/>
+                </a:solidFill>
+                <a:latin typeface="+mn-lt"/>
+                <a:ea typeface="+mn-ea"/>
+                <a:cs typeface="+mn-cs"/>
+              </a:defRPr>
+            </a:lvl8pPr>
+            <a:lvl9pPr marL="3657600" algn="l" defTabSz="914400" rtl="0" eaLnBrk="1" latinLnBrk="0" hangingPunct="1">
+              <a:defRPr sz="1800" kern="1200">
+                <a:solidFill>
+                  <a:schemeClr val="lt1"/>
+                </a:solidFill>
+                <a:latin typeface="+mn-lt"/>
+                <a:ea typeface="+mn-ea"/>
+                <a:cs typeface="+mn-cs"/>
+              </a:defRPr>
+            </a:lvl9pPr>
+          </a:lstStyle>
+          <a:p>
+            <a:pPr algn="ctr"/>
+            <a:endParaRPr lang="en-US"/>
+          </a:p>
+        </p:txBody>
+      </p:sp>
+      <p:grpSp>
+        <p:nvGrpSpPr>
+          <p:cNvPr id="8" name="Group 7">
+            <a:extLst>
+              <a:ext uri="{FF2B5EF4-FFF2-40B4-BE49-F238E27FC236}">
+                <a16:creationId xmlns:a16="http://schemas.microsoft.com/office/drawing/2014/main" id="{D399D650-CD04-EB7D-87B7-6683F0AA492A}"/>
+              </a:ext>
+            </a:extLst>
+          </p:cNvPr>
+          <p:cNvGrpSpPr/>
+          <p:nvPr/>
+        </p:nvGrpSpPr>
+        <p:grpSpPr>
+          <a:xfrm>
+            <a:off x="914400" y="3155731"/>
+            <a:ext cx="5548559" cy="251219"/>
+            <a:chOff x="5867400" y="1524000"/>
+            <a:chExt cx="936306" cy="566145"/>
+          </a:xfrm>
+        </p:grpSpPr>
+        <p:cxnSp>
+          <p:nvCxnSpPr>
+            <p:cNvPr id="9" name="Straight Connector 8">
+              <a:extLst>
+                <a:ext uri="{FF2B5EF4-FFF2-40B4-BE49-F238E27FC236}">
+                  <a16:creationId xmlns:a16="http://schemas.microsoft.com/office/drawing/2014/main" id="{1F48B94B-33FA-318E-D981-C9EAA5777B64}"/>
+                </a:ext>
+              </a:extLst>
+            </p:cNvPr>
+            <p:cNvCxnSpPr>
+              <a:cxnSpLocks/>
+            </p:cNvCxnSpPr>
+            <p:nvPr/>
+          </p:nvCxnSpPr>
+          <p:spPr>
+            <a:xfrm>
+              <a:off x="5867400" y="1528600"/>
+              <a:ext cx="936306" cy="545017"/>
+            </a:xfrm>
+            <a:prstGeom prst="line">
+              <a:avLst/>
+            </a:prstGeom>
+          </p:spPr>
+          <p:style>
+            <a:lnRef idx="3">
+              <a:schemeClr val="accent2"/>
+            </a:lnRef>
+            <a:fillRef idx="0">
+              <a:schemeClr val="accent2"/>
+            </a:fillRef>
+            <a:effectRef idx="2">
+              <a:schemeClr val="accent2"/>
+            </a:effectRef>
+            <a:fontRef idx="minor">
+              <a:schemeClr val="tx1"/>
+            </a:fontRef>
+          </p:style>
+        </p:cxnSp>
+        <p:cxnSp>
+          <p:nvCxnSpPr>
+            <p:cNvPr id="10" name="Straight Connector 9">
+              <a:extLst>
+                <a:ext uri="{FF2B5EF4-FFF2-40B4-BE49-F238E27FC236}">
+                  <a16:creationId xmlns:a16="http://schemas.microsoft.com/office/drawing/2014/main" id="{569AD22D-6C0F-1626-729A-26B1733D18DE}"/>
+                </a:ext>
+              </a:extLst>
+            </p:cNvPr>
+            <p:cNvCxnSpPr>
+              <a:cxnSpLocks/>
+            </p:cNvCxnSpPr>
+            <p:nvPr/>
+          </p:nvCxnSpPr>
+          <p:spPr>
+            <a:xfrm flipV="1">
+              <a:off x="5901955" y="1524000"/>
+              <a:ext cx="901751" cy="566145"/>
+            </a:xfrm>
+            <a:prstGeom prst="line">
+              <a:avLst/>
+            </a:prstGeom>
+          </p:spPr>
+          <p:style>
+            <a:lnRef idx="3">
+              <a:schemeClr val="accent2"/>
+            </a:lnRef>
+            <a:fillRef idx="0">
+              <a:schemeClr val="accent2"/>
+            </a:fillRef>
+            <a:effectRef idx="2">
+              <a:schemeClr val="accent2"/>
+            </a:effectRef>
+            <a:fontRef idx="minor">
+              <a:schemeClr val="tx1"/>
+            </a:fontRef>
+          </p:style>
+        </p:cxnSp>
+      </p:grpSp>
+      <p:grpSp>
+        <p:nvGrpSpPr>
+          <p:cNvPr id="13" name="Group 12">
+            <a:extLst>
+              <a:ext uri="{FF2B5EF4-FFF2-40B4-BE49-F238E27FC236}">
+                <a16:creationId xmlns:a16="http://schemas.microsoft.com/office/drawing/2014/main" id="{FBA257B3-FAA4-5490-415D-5BC4555CD905}"/>
+              </a:ext>
+            </a:extLst>
+          </p:cNvPr>
+          <p:cNvGrpSpPr/>
+          <p:nvPr/>
+        </p:nvGrpSpPr>
+        <p:grpSpPr>
+          <a:xfrm>
+            <a:off x="880533" y="3773661"/>
+            <a:ext cx="5548559" cy="251219"/>
+            <a:chOff x="5867400" y="1524000"/>
+            <a:chExt cx="936306" cy="566145"/>
+          </a:xfrm>
+        </p:grpSpPr>
+        <p:cxnSp>
+          <p:nvCxnSpPr>
+            <p:cNvPr id="14" name="Straight Connector 13">
+              <a:extLst>
+                <a:ext uri="{FF2B5EF4-FFF2-40B4-BE49-F238E27FC236}">
+                  <a16:creationId xmlns:a16="http://schemas.microsoft.com/office/drawing/2014/main" id="{6D02B948-2F00-3743-2352-12F32A7B16F5}"/>
+                </a:ext>
+              </a:extLst>
+            </p:cNvPr>
+            <p:cNvCxnSpPr>
+              <a:cxnSpLocks/>
+            </p:cNvCxnSpPr>
+            <p:nvPr/>
+          </p:nvCxnSpPr>
+          <p:spPr>
+            <a:xfrm>
+              <a:off x="5867400" y="1528600"/>
+              <a:ext cx="936306" cy="545017"/>
+            </a:xfrm>
+            <a:prstGeom prst="line">
+              <a:avLst/>
+            </a:prstGeom>
+          </p:spPr>
+          <p:style>
+            <a:lnRef idx="3">
+              <a:schemeClr val="accent2"/>
+            </a:lnRef>
+            <a:fillRef idx="0">
+              <a:schemeClr val="accent2"/>
+            </a:fillRef>
+            <a:effectRef idx="2">
+              <a:schemeClr val="accent2"/>
+            </a:effectRef>
+            <a:fontRef idx="minor">
+              <a:schemeClr val="tx1"/>
+            </a:fontRef>
+          </p:style>
+        </p:cxnSp>
+        <p:cxnSp>
+          <p:nvCxnSpPr>
+            <p:cNvPr id="16" name="Straight Connector 15">
+              <a:extLst>
+                <a:ext uri="{FF2B5EF4-FFF2-40B4-BE49-F238E27FC236}">
+                  <a16:creationId xmlns:a16="http://schemas.microsoft.com/office/drawing/2014/main" id="{AAFDB867-ACE2-3998-1383-E1AD68A7EACE}"/>
+                </a:ext>
+              </a:extLst>
+            </p:cNvPr>
+            <p:cNvCxnSpPr>
+              <a:cxnSpLocks/>
+            </p:cNvCxnSpPr>
+            <p:nvPr/>
+          </p:nvCxnSpPr>
+          <p:spPr>
+            <a:xfrm flipV="1">
+              <a:off x="5901955" y="1524000"/>
+              <a:ext cx="901751" cy="566145"/>
+            </a:xfrm>
+            <a:prstGeom prst="line">
+              <a:avLst/>
+            </a:prstGeom>
+          </p:spPr>
+          <p:style>
+            <a:lnRef idx="3">
+              <a:schemeClr val="accent2"/>
+            </a:lnRef>
+            <a:fillRef idx="0">
+              <a:schemeClr val="accent2"/>
+            </a:fillRef>
+            <a:effectRef idx="2">
+              <a:schemeClr val="accent2"/>
+            </a:effectRef>
+            <a:fontRef idx="minor">
+              <a:schemeClr val="tx1"/>
+            </a:fontRef>
+          </p:style>
+        </p:cxnSp>
+      </p:grpSp>
+      <p:sp>
+        <p:nvSpPr>
+          <p:cNvPr id="17" name="TextBox 16">
+            <a:extLst>
+              <a:ext uri="{FF2B5EF4-FFF2-40B4-BE49-F238E27FC236}">
+                <a16:creationId xmlns:a16="http://schemas.microsoft.com/office/drawing/2014/main" id="{602C56F6-0539-E4C2-1D1B-1B6D443B70BD}"/>
+              </a:ext>
+            </a:extLst>
+          </p:cNvPr>
+          <p:cNvSpPr txBox="1"/>
+          <p:nvPr/>
+        </p:nvSpPr>
+        <p:spPr>
+          <a:xfrm>
+            <a:off x="533400" y="152400"/>
+            <a:ext cx="8153400" cy="369332"/>
+          </a:xfrm>
+          <a:prstGeom prst="rect">
+            <a:avLst/>
+          </a:prstGeom>
+        </p:spPr>
+        <p:style>
+          <a:lnRef idx="3">
+            <a:schemeClr val="lt1"/>
+          </a:lnRef>
+          <a:fillRef idx="1">
+            <a:schemeClr val="accent2"/>
+          </a:fillRef>
+          <a:effectRef idx="1">
+            <a:schemeClr val="accent2"/>
+          </a:effectRef>
+          <a:fontRef idx="minor">
+            <a:schemeClr val="lt1"/>
+          </a:fontRef>
+        </p:style>
+        <p:txBody>
+          <a:bodyPr wrap="square" rtlCol="0">
+            <a:spAutoFit/>
+          </a:bodyPr>
+          <a:lstStyle/>
+          <a:p>
+            <a:pPr algn="ctr"/>
+            <a:r>
+              <a:rPr lang="en-US" dirty="0"/>
+              <a:t>Large Language Models as Knowledge-based Agents</a:t>
+            </a:r>
+          </a:p>
+        </p:txBody>
+      </p:sp>
+    </p:spTree>
+    <p:extLst>
+      <p:ext uri="{BB962C8B-B14F-4D97-AF65-F5344CB8AC3E}">
+        <p14:creationId xmlns:p14="http://schemas.microsoft.com/office/powerpoint/2010/main" val="2146638934"/>
       </p:ext>
     </p:extLst>
   </p:cSld>
@@ -31798,7 +34289,7 @@
           <a:p>
             <a:r>
               <a:rPr lang="en-US" dirty="0"/>
-              <a:t>Knowledge-based agents</a:t>
+              <a:t>Knowledge-Based Agents</a:t>
             </a:r>
           </a:p>
         </p:txBody>
@@ -32853,8 +35344,8 @@
           <a:lstStyle/>
           <a:p>
             <a:r>
-              <a:rPr lang="en-US" sz="4500"/>
-              <a:t>Overview</a:t>
+              <a:rPr lang="en-US" sz="4500" dirty="0"/>
+              <a:t>Some Types of Logic</a:t>
             </a:r>
           </a:p>
         </p:txBody>
